--- a/ToolIntegration/dummyTools/wingModifier/documentation/toolIntegrationSettings.pptx
+++ b/ToolIntegration/dummyTools/wingModifier/documentation/toolIntegrationSettings.pptx
@@ -5,15 +5,16 @@
     <p:sldMasterId id="2147483648" r:id="rId1"/>
   </p:sldMasterIdLst>
   <p:sldIdLst>
-    <p:sldId id="264" r:id="rId2"/>
-    <p:sldId id="256" r:id="rId3"/>
-    <p:sldId id="257" r:id="rId4"/>
-    <p:sldId id="258" r:id="rId5"/>
-    <p:sldId id="259" r:id="rId6"/>
-    <p:sldId id="260" r:id="rId7"/>
-    <p:sldId id="261" r:id="rId8"/>
-    <p:sldId id="262" r:id="rId9"/>
-    <p:sldId id="263" r:id="rId10"/>
+    <p:sldId id="265" r:id="rId2"/>
+    <p:sldId id="264" r:id="rId3"/>
+    <p:sldId id="256" r:id="rId4"/>
+    <p:sldId id="257" r:id="rId5"/>
+    <p:sldId id="258" r:id="rId6"/>
+    <p:sldId id="259" r:id="rId7"/>
+    <p:sldId id="260" r:id="rId8"/>
+    <p:sldId id="261" r:id="rId9"/>
+    <p:sldId id="262" r:id="rId10"/>
+    <p:sldId id="263" r:id="rId11"/>
   </p:sldIdLst>
   <p:sldSz cx="12192000" cy="6858000"/>
   <p:notesSz cx="6858000" cy="9144000"/>
@@ -267,7 +268,7 @@
           <a:p>
             <a:fld id="{36A4E025-831E-442E-925A-CBB4133DCC51}" type="datetimeFigureOut">
               <a:rPr lang="de-DE" smtClean="0"/>
-              <a:t>31.05.2023</a:t>
+              <a:t>01.06.2023</a:t>
             </a:fld>
             <a:endParaRPr lang="de-DE"/>
           </a:p>
@@ -465,7 +466,7 @@
           <a:p>
             <a:fld id="{36A4E025-831E-442E-925A-CBB4133DCC51}" type="datetimeFigureOut">
               <a:rPr lang="de-DE" smtClean="0"/>
-              <a:t>31.05.2023</a:t>
+              <a:t>01.06.2023</a:t>
             </a:fld>
             <a:endParaRPr lang="de-DE"/>
           </a:p>
@@ -673,7 +674,7 @@
           <a:p>
             <a:fld id="{36A4E025-831E-442E-925A-CBB4133DCC51}" type="datetimeFigureOut">
               <a:rPr lang="de-DE" smtClean="0"/>
-              <a:t>31.05.2023</a:t>
+              <a:t>01.06.2023</a:t>
             </a:fld>
             <a:endParaRPr lang="de-DE"/>
           </a:p>
@@ -871,7 +872,7 @@
           <a:p>
             <a:fld id="{36A4E025-831E-442E-925A-CBB4133DCC51}" type="datetimeFigureOut">
               <a:rPr lang="de-DE" smtClean="0"/>
-              <a:t>31.05.2023</a:t>
+              <a:t>01.06.2023</a:t>
             </a:fld>
             <a:endParaRPr lang="de-DE"/>
           </a:p>
@@ -1146,7 +1147,7 @@
           <a:p>
             <a:fld id="{36A4E025-831E-442E-925A-CBB4133DCC51}" type="datetimeFigureOut">
               <a:rPr lang="de-DE" smtClean="0"/>
-              <a:t>31.05.2023</a:t>
+              <a:t>01.06.2023</a:t>
             </a:fld>
             <a:endParaRPr lang="de-DE"/>
           </a:p>
@@ -1411,7 +1412,7 @@
           <a:p>
             <a:fld id="{36A4E025-831E-442E-925A-CBB4133DCC51}" type="datetimeFigureOut">
               <a:rPr lang="de-DE" smtClean="0"/>
-              <a:t>31.05.2023</a:t>
+              <a:t>01.06.2023</a:t>
             </a:fld>
             <a:endParaRPr lang="de-DE"/>
           </a:p>
@@ -1823,7 +1824,7 @@
           <a:p>
             <a:fld id="{36A4E025-831E-442E-925A-CBB4133DCC51}" type="datetimeFigureOut">
               <a:rPr lang="de-DE" smtClean="0"/>
-              <a:t>31.05.2023</a:t>
+              <a:t>01.06.2023</a:t>
             </a:fld>
             <a:endParaRPr lang="de-DE"/>
           </a:p>
@@ -1964,7 +1965,7 @@
           <a:p>
             <a:fld id="{36A4E025-831E-442E-925A-CBB4133DCC51}" type="datetimeFigureOut">
               <a:rPr lang="de-DE" smtClean="0"/>
-              <a:t>31.05.2023</a:t>
+              <a:t>01.06.2023</a:t>
             </a:fld>
             <a:endParaRPr lang="de-DE"/>
           </a:p>
@@ -2077,7 +2078,7 @@
           <a:p>
             <a:fld id="{36A4E025-831E-442E-925A-CBB4133DCC51}" type="datetimeFigureOut">
               <a:rPr lang="de-DE" smtClean="0"/>
-              <a:t>31.05.2023</a:t>
+              <a:t>01.06.2023</a:t>
             </a:fld>
             <a:endParaRPr lang="de-DE"/>
           </a:p>
@@ -2388,7 +2389,7 @@
           <a:p>
             <a:fld id="{36A4E025-831E-442E-925A-CBB4133DCC51}" type="datetimeFigureOut">
               <a:rPr lang="de-DE" smtClean="0"/>
-              <a:t>31.05.2023</a:t>
+              <a:t>01.06.2023</a:t>
             </a:fld>
             <a:endParaRPr lang="de-DE"/>
           </a:p>
@@ -2676,7 +2677,7 @@
           <a:p>
             <a:fld id="{36A4E025-831E-442E-925A-CBB4133DCC51}" type="datetimeFigureOut">
               <a:rPr lang="de-DE" smtClean="0"/>
-              <a:t>31.05.2023</a:t>
+              <a:t>01.06.2023</a:t>
             </a:fld>
             <a:endParaRPr lang="de-DE"/>
           </a:p>
@@ -2917,7 +2918,7 @@
           <a:p>
             <a:fld id="{36A4E025-831E-442E-925A-CBB4133DCC51}" type="datetimeFigureOut">
               <a:rPr lang="de-DE" smtClean="0"/>
-              <a:t>31.05.2023</a:t>
+              <a:t>01.06.2023</a:t>
             </a:fld>
             <a:endParaRPr lang="de-DE"/>
           </a:p>
@@ -3334,6 +3335,721 @@
           <a:chExt cx="0" cy="0"/>
         </a:xfrm>
       </p:grpSpPr>
+      <p:sp>
+        <p:nvSpPr>
+          <p:cNvPr id="2" name="Titel 1">
+            <a:extLst>
+              <a:ext uri="{FF2B5EF4-FFF2-40B4-BE49-F238E27FC236}">
+                <a16:creationId xmlns:a16="http://schemas.microsoft.com/office/drawing/2014/main" id="{BBF9D53C-8BFF-4727-8D27-300748060E1D}"/>
+              </a:ext>
+            </a:extLst>
+          </p:cNvPr>
+          <p:cNvSpPr>
+            <a:spLocks noGrp="1"/>
+          </p:cNvSpPr>
+          <p:nvPr>
+            <p:ph type="ctrTitle"/>
+          </p:nvPr>
+        </p:nvSpPr>
+        <p:spPr/>
+        <p:txBody>
+          <a:bodyPr/>
+          <a:lstStyle/>
+          <a:p>
+            <a:r>
+              <a:rPr lang="de-DE" dirty="0"/>
+              <a:t>RCE </a:t>
+            </a:r>
+            <a:r>
+              <a:rPr lang="de-DE" dirty="0" err="1"/>
+              <a:t>tool</a:t>
+            </a:r>
+            <a:r>
+              <a:rPr lang="de-DE" dirty="0"/>
+              <a:t> </a:t>
+            </a:r>
+            <a:r>
+              <a:rPr lang="de-DE" dirty="0" err="1"/>
+              <a:t>integration</a:t>
+            </a:r>
+            <a:endParaRPr lang="de-DE" dirty="0"/>
+          </a:p>
+        </p:txBody>
+      </p:sp>
+      <p:pic>
+        <p:nvPicPr>
+          <p:cNvPr id="4" name="Grafik 3">
+            <a:extLst>
+              <a:ext uri="{FF2B5EF4-FFF2-40B4-BE49-F238E27FC236}">
+                <a16:creationId xmlns:a16="http://schemas.microsoft.com/office/drawing/2014/main" id="{E2FF3F73-8B42-45B4-813B-F6350FE96EBA}"/>
+              </a:ext>
+            </a:extLst>
+          </p:cNvPr>
+          <p:cNvPicPr>
+            <a:picLocks noChangeAspect="1"/>
+          </p:cNvPicPr>
+          <p:nvPr/>
+        </p:nvPicPr>
+        <p:blipFill>
+          <a:blip r:embed="rId2">
+            <a:clrChange>
+              <a:clrFrom>
+                <a:srgbClr val="FFFFFF"/>
+              </a:clrFrom>
+              <a:clrTo>
+                <a:srgbClr val="FFFFFF">
+                  <a:alpha val="0"/>
+                </a:srgbClr>
+              </a:clrTo>
+            </a:clrChange>
+            <a:extLst>
+              <a:ext uri="{28A0092B-C50C-407E-A947-70E740481C1C}">
+                <a14:useLocalDpi xmlns:a14="http://schemas.microsoft.com/office/drawing/2010/main" val="0"/>
+              </a:ext>
+            </a:extLst>
+          </a:blip>
+          <a:stretch>
+            <a:fillRect/>
+          </a:stretch>
+        </p:blipFill>
+        <p:spPr>
+          <a:xfrm>
+            <a:off x="3820513" y="4111043"/>
+            <a:ext cx="4876556" cy="2091350"/>
+          </a:xfrm>
+          <a:prstGeom prst="rect">
+            <a:avLst/>
+          </a:prstGeom>
+          <a:effectLst>
+            <a:outerShdw blurRad="50800" dist="38100" dir="2700000" algn="tl" rotWithShape="0">
+              <a:prstClr val="black">
+                <a:alpha val="40000"/>
+              </a:prstClr>
+            </a:outerShdw>
+          </a:effectLst>
+        </p:spPr>
+      </p:pic>
+      <p:sp>
+        <p:nvSpPr>
+          <p:cNvPr id="3" name="Untertitel 2">
+            <a:extLst>
+              <a:ext uri="{FF2B5EF4-FFF2-40B4-BE49-F238E27FC236}">
+                <a16:creationId xmlns:a16="http://schemas.microsoft.com/office/drawing/2014/main" id="{DC5A19B4-AB9D-4D91-A4CC-BBBE2C3A2236}"/>
+              </a:ext>
+            </a:extLst>
+          </p:cNvPr>
+          <p:cNvSpPr>
+            <a:spLocks noGrp="1"/>
+          </p:cNvSpPr>
+          <p:nvPr>
+            <p:ph type="subTitle" idx="1"/>
+          </p:nvPr>
+        </p:nvSpPr>
+        <p:spPr/>
+        <p:txBody>
+          <a:bodyPr/>
+          <a:lstStyle/>
+          <a:p>
+            <a:r>
+              <a:rPr lang="de-DE" dirty="0" err="1"/>
+              <a:t>wingModifier</a:t>
+            </a:r>
+            <a:endParaRPr lang="de-DE" dirty="0"/>
+          </a:p>
+        </p:txBody>
+      </p:sp>
+    </p:spTree>
+    <p:extLst>
+      <p:ext uri="{BB962C8B-B14F-4D97-AF65-F5344CB8AC3E}">
+        <p14:creationId xmlns:p14="http://schemas.microsoft.com/office/powerpoint/2010/main" val="3284932471"/>
+      </p:ext>
+    </p:extLst>
+  </p:cSld>
+  <p:clrMapOvr>
+    <a:masterClrMapping/>
+  </p:clrMapOvr>
+</p:sld>
+</file>
+
+<file path=ppt/slides/slide10.xml><?xml version="1.0" encoding="utf-8"?>
+<p:sld xmlns:a="http://schemas.openxmlformats.org/drawingml/2006/main" xmlns:r="http://schemas.openxmlformats.org/officeDocument/2006/relationships" xmlns:p="http://schemas.openxmlformats.org/presentationml/2006/main">
+  <p:cSld>
+    <p:spTree>
+      <p:nvGrpSpPr>
+        <p:cNvPr id="1" name=""/>
+        <p:cNvGrpSpPr/>
+        <p:nvPr/>
+      </p:nvGrpSpPr>
+      <p:grpSpPr>
+        <a:xfrm>
+          <a:off x="0" y="0"/>
+          <a:ext cx="0" cy="0"/>
+          <a:chOff x="0" y="0"/>
+          <a:chExt cx="0" cy="0"/>
+        </a:xfrm>
+      </p:grpSpPr>
+      <p:sp>
+        <p:nvSpPr>
+          <p:cNvPr id="5" name="Rechteck 4">
+            <a:extLst>
+              <a:ext uri="{FF2B5EF4-FFF2-40B4-BE49-F238E27FC236}">
+                <a16:creationId xmlns:a16="http://schemas.microsoft.com/office/drawing/2014/main" id="{2788D9EA-0446-4DD9-874F-043C100A8DD4}"/>
+              </a:ext>
+            </a:extLst>
+          </p:cNvPr>
+          <p:cNvSpPr/>
+          <p:nvPr/>
+        </p:nvSpPr>
+        <p:spPr>
+          <a:xfrm>
+            <a:off x="215900" y="897235"/>
+            <a:ext cx="4761542" cy="1061829"/>
+          </a:xfrm>
+          <a:prstGeom prst="rect">
+            <a:avLst/>
+          </a:prstGeom>
+          <a:solidFill>
+            <a:schemeClr val="bg1"/>
+          </a:solidFill>
+          <a:ln>
+            <a:solidFill>
+              <a:schemeClr val="tx1">
+                <a:lumMod val="50000"/>
+                <a:lumOff val="50000"/>
+              </a:schemeClr>
+            </a:solidFill>
+          </a:ln>
+          <a:effectLst>
+            <a:outerShdw blurRad="63500" sx="102000" sy="102000" algn="ctr" rotWithShape="0">
+              <a:prstClr val="black">
+                <a:alpha val="40000"/>
+              </a:prstClr>
+            </a:outerShdw>
+          </a:effectLst>
+        </p:spPr>
+        <p:txBody>
+          <a:bodyPr wrap="square">
+            <a:spAutoFit/>
+          </a:bodyPr>
+          <a:lstStyle/>
+          <a:p>
+            <a:r>
+              <a:rPr lang="de-DE" sz="1050" dirty="0" err="1">
+                <a:latin typeface="Courier"/>
+              </a:rPr>
+              <a:t>dirName</a:t>
+            </a:r>
+            <a:r>
+              <a:rPr lang="de-DE" sz="1050" dirty="0">
+                <a:latin typeface="Courier"/>
+              </a:rPr>
+              <a:t> = "</a:t>
+            </a:r>
+            <a:r>
+              <a:rPr lang="de-DE" sz="1050" dirty="0" err="1">
+                <a:latin typeface="Courier"/>
+              </a:rPr>
+              <a:t>ToolOutput</a:t>
+            </a:r>
+            <a:r>
+              <a:rPr lang="de-DE" sz="1050" dirty="0">
+                <a:latin typeface="Courier"/>
+              </a:rPr>
+              <a:t>"</a:t>
+            </a:r>
+          </a:p>
+          <a:p>
+            <a:r>
+              <a:rPr lang="de-DE" sz="1050" dirty="0" err="1">
+                <a:latin typeface="Courier"/>
+              </a:rPr>
+              <a:t>fileName</a:t>
+            </a:r>
+            <a:r>
+              <a:rPr lang="de-DE" sz="1050" dirty="0">
+                <a:latin typeface="Courier"/>
+              </a:rPr>
+              <a:t> = "CPACS_out.xml"</a:t>
+            </a:r>
+          </a:p>
+          <a:p>
+            <a:endParaRPr lang="de-DE" sz="1050" dirty="0">
+              <a:latin typeface="Courier"/>
+            </a:endParaRPr>
+          </a:p>
+          <a:p>
+            <a:r>
+              <a:rPr lang="de-DE" sz="1050" dirty="0">
+                <a:latin typeface="Courier"/>
+              </a:rPr>
+              <a:t>${</a:t>
+            </a:r>
+            <a:r>
+              <a:rPr lang="de-DE" sz="1050" dirty="0" err="1">
+                <a:latin typeface="Courier"/>
+              </a:rPr>
+              <a:t>out:CPACS</a:t>
+            </a:r>
+            <a:r>
+              <a:rPr lang="de-DE" sz="1050" dirty="0">
+                <a:latin typeface="Courier"/>
+              </a:rPr>
+              <a:t> </a:t>
+            </a:r>
+            <a:r>
+              <a:rPr lang="de-DE" sz="1050" dirty="0" err="1">
+                <a:latin typeface="Courier"/>
+              </a:rPr>
+              <a:t>output</a:t>
+            </a:r>
+            <a:r>
+              <a:rPr lang="de-DE" sz="1050" dirty="0">
+                <a:latin typeface="Courier"/>
+              </a:rPr>
+              <a:t>} = </a:t>
+            </a:r>
+            <a:r>
+              <a:rPr lang="de-DE" sz="1050" dirty="0" err="1">
+                <a:latin typeface="Courier"/>
+              </a:rPr>
+              <a:t>os.path.join</a:t>
+            </a:r>
+            <a:r>
+              <a:rPr lang="de-DE" sz="1050" dirty="0">
+                <a:latin typeface="Courier"/>
+              </a:rPr>
+              <a:t>("${</a:t>
+            </a:r>
+            <a:r>
+              <a:rPr lang="de-DE" sz="1050" dirty="0" err="1">
+                <a:latin typeface="Courier"/>
+              </a:rPr>
+              <a:t>dir:working</a:t>
+            </a:r>
+            <a:r>
+              <a:rPr lang="de-DE" sz="1050" dirty="0">
+                <a:latin typeface="Courier"/>
+              </a:rPr>
+              <a:t>}", </a:t>
+            </a:r>
+            <a:r>
+              <a:rPr lang="de-DE" sz="1050" dirty="0" err="1">
+                <a:latin typeface="Courier"/>
+              </a:rPr>
+              <a:t>dirName</a:t>
+            </a:r>
+            <a:r>
+              <a:rPr lang="de-DE" sz="1050" dirty="0">
+                <a:latin typeface="Courier"/>
+              </a:rPr>
+              <a:t>, </a:t>
+            </a:r>
+            <a:r>
+              <a:rPr lang="de-DE" sz="1050" dirty="0" err="1">
+                <a:latin typeface="Courier"/>
+              </a:rPr>
+              <a:t>fileName</a:t>
+            </a:r>
+            <a:r>
+              <a:rPr lang="de-DE" sz="1050" dirty="0">
+                <a:latin typeface="Courier"/>
+              </a:rPr>
+              <a:t>)</a:t>
+            </a:r>
+          </a:p>
+          <a:p>
+            <a:endParaRPr lang="de-DE" sz="1050" dirty="0" err="1">
+              <a:latin typeface="Courier"/>
+            </a:endParaRPr>
+          </a:p>
+        </p:txBody>
+      </p:sp>
+      <p:pic>
+        <p:nvPicPr>
+          <p:cNvPr id="2" name="Grafik 1">
+            <a:extLst>
+              <a:ext uri="{FF2B5EF4-FFF2-40B4-BE49-F238E27FC236}">
+                <a16:creationId xmlns:a16="http://schemas.microsoft.com/office/drawing/2014/main" id="{DC1BB6C3-10EE-4B98-A634-E4B9D3A08A55}"/>
+              </a:ext>
+            </a:extLst>
+          </p:cNvPr>
+          <p:cNvPicPr>
+            <a:picLocks noChangeAspect="1"/>
+          </p:cNvPicPr>
+          <p:nvPr/>
+        </p:nvPicPr>
+        <p:blipFill>
+          <a:blip r:embed="rId2"/>
+          <a:stretch>
+            <a:fillRect/>
+          </a:stretch>
+        </p:blipFill>
+        <p:spPr>
+          <a:xfrm>
+            <a:off x="5488419" y="0"/>
+            <a:ext cx="6703581" cy="6858000"/>
+          </a:xfrm>
+          <a:prstGeom prst="rect">
+            <a:avLst/>
+          </a:prstGeom>
+        </p:spPr>
+      </p:pic>
+      <p:sp>
+        <p:nvSpPr>
+          <p:cNvPr id="4" name="Textfeld 3">
+            <a:extLst>
+              <a:ext uri="{FF2B5EF4-FFF2-40B4-BE49-F238E27FC236}">
+                <a16:creationId xmlns:a16="http://schemas.microsoft.com/office/drawing/2014/main" id="{9121101E-7A08-4546-B0F6-03BFA7A46AA9}"/>
+              </a:ext>
+            </a:extLst>
+          </p:cNvPr>
+          <p:cNvSpPr txBox="1"/>
+          <p:nvPr/>
+        </p:nvSpPr>
+        <p:spPr>
+          <a:xfrm>
+            <a:off x="215900" y="2363638"/>
+            <a:ext cx="3897774" cy="890734"/>
+          </a:xfrm>
+          <a:prstGeom prst="rect">
+            <a:avLst/>
+          </a:prstGeom>
+          <a:solidFill>
+            <a:schemeClr val="bg1"/>
+          </a:solidFill>
+          <a:ln>
+            <a:solidFill>
+              <a:schemeClr val="tx1">
+                <a:lumMod val="50000"/>
+                <a:lumOff val="50000"/>
+              </a:schemeClr>
+            </a:solidFill>
+          </a:ln>
+          <a:effectLst>
+            <a:outerShdw blurRad="50800" dist="38100" dir="2700000" algn="tl" rotWithShape="0">
+              <a:prstClr val="black">
+                <a:alpha val="40000"/>
+              </a:prstClr>
+            </a:outerShdw>
+          </a:effectLst>
+        </p:spPr>
+        <p:style>
+          <a:lnRef idx="2">
+            <a:schemeClr val="accent1">
+              <a:shade val="50000"/>
+            </a:schemeClr>
+          </a:lnRef>
+          <a:fillRef idx="1">
+            <a:schemeClr val="accent1"/>
+          </a:fillRef>
+          <a:effectRef idx="0">
+            <a:schemeClr val="accent1"/>
+          </a:effectRef>
+          <a:fontRef idx="minor">
+            <a:schemeClr val="lt1"/>
+          </a:fontRef>
+        </p:style>
+        <p:txBody>
+          <a:bodyPr rtlCol="0" anchor="ctr"/>
+          <a:lstStyle>
+            <a:defPPr>
+              <a:defRPr lang="de-DE"/>
+            </a:defPPr>
+            <a:lvl1pPr marL="361950" indent="-361950">
+              <a:defRPr>
+                <a:solidFill>
+                  <a:schemeClr val="tx1">
+                    <a:lumMod val="75000"/>
+                    <a:lumOff val="25000"/>
+                  </a:schemeClr>
+                </a:solidFill>
+              </a:defRPr>
+            </a:lvl1pPr>
+            <a:lvl2pPr>
+              <a:defRPr>
+                <a:solidFill>
+                  <a:schemeClr val="lt1"/>
+                </a:solidFill>
+              </a:defRPr>
+            </a:lvl2pPr>
+            <a:lvl3pPr>
+              <a:defRPr>
+                <a:solidFill>
+                  <a:schemeClr val="lt1"/>
+                </a:solidFill>
+              </a:defRPr>
+            </a:lvl3pPr>
+            <a:lvl4pPr>
+              <a:defRPr>
+                <a:solidFill>
+                  <a:schemeClr val="lt1"/>
+                </a:solidFill>
+              </a:defRPr>
+            </a:lvl4pPr>
+            <a:lvl5pPr>
+              <a:defRPr>
+                <a:solidFill>
+                  <a:schemeClr val="lt1"/>
+                </a:solidFill>
+              </a:defRPr>
+            </a:lvl5pPr>
+            <a:lvl6pPr>
+              <a:defRPr>
+                <a:solidFill>
+                  <a:schemeClr val="lt1"/>
+                </a:solidFill>
+              </a:defRPr>
+            </a:lvl6pPr>
+            <a:lvl7pPr>
+              <a:defRPr>
+                <a:solidFill>
+                  <a:schemeClr val="lt1"/>
+                </a:solidFill>
+              </a:defRPr>
+            </a:lvl7pPr>
+            <a:lvl8pPr>
+              <a:defRPr>
+                <a:solidFill>
+                  <a:schemeClr val="lt1"/>
+                </a:solidFill>
+              </a:defRPr>
+            </a:lvl8pPr>
+            <a:lvl9pPr>
+              <a:defRPr>
+                <a:solidFill>
+                  <a:schemeClr val="lt1"/>
+                </a:solidFill>
+              </a:defRPr>
+            </a:lvl9pPr>
+          </a:lstStyle>
+          <a:p>
+            <a:pPr marL="266700" indent="-266700"/>
+            <a:r>
+              <a:rPr lang="de-DE" dirty="0">
+                <a:solidFill>
+                  <a:schemeClr val="accent4">
+                    <a:lumMod val="75000"/>
+                  </a:schemeClr>
+                </a:solidFill>
+              </a:rPr>
+              <a:t>🛈 </a:t>
+            </a:r>
+            <a:r>
+              <a:rPr lang="en-US" sz="1600" dirty="0"/>
+              <a:t>Post-execution: What happens after the actual tool has finished. Here we’re telling RCE where to find the output file.</a:t>
+            </a:r>
+            <a:endParaRPr lang="de-DE" dirty="0"/>
+          </a:p>
+        </p:txBody>
+      </p:sp>
+      <p:sp>
+        <p:nvSpPr>
+          <p:cNvPr id="6" name="Legende: mit gebogener Linie 5">
+            <a:extLst>
+              <a:ext uri="{FF2B5EF4-FFF2-40B4-BE49-F238E27FC236}">
+                <a16:creationId xmlns:a16="http://schemas.microsoft.com/office/drawing/2014/main" id="{F99F4073-35A5-4361-AD2B-7B5EF951400A}"/>
+              </a:ext>
+            </a:extLst>
+          </p:cNvPr>
+          <p:cNvSpPr/>
+          <p:nvPr/>
+        </p:nvSpPr>
+        <p:spPr>
+          <a:xfrm flipH="1">
+            <a:off x="2441274" y="3986833"/>
+            <a:ext cx="2714925" cy="583635"/>
+          </a:xfrm>
+          <a:prstGeom prst="borderCallout2">
+            <a:avLst>
+              <a:gd name="adj1" fmla="val 18750"/>
+              <a:gd name="adj2" fmla="val -8333"/>
+              <a:gd name="adj3" fmla="val 18750"/>
+              <a:gd name="adj4" fmla="val -16667"/>
+              <a:gd name="adj5" fmla="val -89505"/>
+              <a:gd name="adj6" fmla="val -71297"/>
+            </a:avLst>
+          </a:prstGeom>
+          <a:solidFill>
+            <a:schemeClr val="bg1"/>
+          </a:solidFill>
+          <a:ln>
+            <a:solidFill>
+              <a:schemeClr val="tx1">
+                <a:lumMod val="50000"/>
+                <a:lumOff val="50000"/>
+              </a:schemeClr>
+            </a:solidFill>
+          </a:ln>
+          <a:effectLst>
+            <a:outerShdw blurRad="50800" dist="38100" dir="2700000" algn="tl" rotWithShape="0">
+              <a:prstClr val="black">
+                <a:alpha val="40000"/>
+              </a:prstClr>
+            </a:outerShdw>
+          </a:effectLst>
+        </p:spPr>
+        <p:style>
+          <a:lnRef idx="2">
+            <a:schemeClr val="accent1">
+              <a:shade val="50000"/>
+            </a:schemeClr>
+          </a:lnRef>
+          <a:fillRef idx="1">
+            <a:schemeClr val="accent1"/>
+          </a:fillRef>
+          <a:effectRef idx="0">
+            <a:schemeClr val="accent1"/>
+          </a:effectRef>
+          <a:fontRef idx="minor">
+            <a:schemeClr val="lt1"/>
+          </a:fontRef>
+        </p:style>
+        <p:txBody>
+          <a:bodyPr rtlCol="0" anchor="ctr"/>
+          <a:lstStyle/>
+          <a:p>
+            <a:pPr marL="361950" indent="-361950"/>
+            <a:r>
+              <a:rPr lang="en-US" dirty="0">
+                <a:solidFill>
+                  <a:schemeClr val="tx1">
+                    <a:lumMod val="75000"/>
+                    <a:lumOff val="25000"/>
+                  </a:schemeClr>
+                </a:solidFill>
+              </a:rPr>
+              <a:t>(1) Insert post-execution script in Python</a:t>
+            </a:r>
+            <a:endParaRPr lang="de-DE" dirty="0">
+              <a:solidFill>
+                <a:schemeClr val="tx1">
+                  <a:lumMod val="75000"/>
+                  <a:lumOff val="25000"/>
+                </a:schemeClr>
+              </a:solidFill>
+            </a:endParaRPr>
+          </a:p>
+        </p:txBody>
+      </p:sp>
+      <p:sp>
+        <p:nvSpPr>
+          <p:cNvPr id="7" name="Legende: mit gebogener Linie 6">
+            <a:extLst>
+              <a:ext uri="{FF2B5EF4-FFF2-40B4-BE49-F238E27FC236}">
+                <a16:creationId xmlns:a16="http://schemas.microsoft.com/office/drawing/2014/main" id="{4BB593AF-FFCA-4D66-8E8E-E4D6191FCA98}"/>
+              </a:ext>
+            </a:extLst>
+          </p:cNvPr>
+          <p:cNvSpPr/>
+          <p:nvPr/>
+        </p:nvSpPr>
+        <p:spPr>
+          <a:xfrm flipH="1">
+            <a:off x="6167887" y="5788325"/>
+            <a:ext cx="3148640" cy="336070"/>
+          </a:xfrm>
+          <a:prstGeom prst="borderCallout2">
+            <a:avLst>
+              <a:gd name="adj1" fmla="val 18750"/>
+              <a:gd name="adj2" fmla="val -8333"/>
+              <a:gd name="adj3" fmla="val 18750"/>
+              <a:gd name="adj4" fmla="val -16667"/>
+              <a:gd name="adj5" fmla="val 230019"/>
+              <a:gd name="adj6" fmla="val -47309"/>
+            </a:avLst>
+          </a:prstGeom>
+          <a:solidFill>
+            <a:schemeClr val="bg1"/>
+          </a:solidFill>
+          <a:ln>
+            <a:solidFill>
+              <a:schemeClr val="tx1">
+                <a:lumMod val="50000"/>
+                <a:lumOff val="50000"/>
+              </a:schemeClr>
+            </a:solidFill>
+          </a:ln>
+          <a:effectLst>
+            <a:outerShdw blurRad="50800" dist="38100" dir="2700000" algn="tl" rotWithShape="0">
+              <a:prstClr val="black">
+                <a:alpha val="40000"/>
+              </a:prstClr>
+            </a:outerShdw>
+          </a:effectLst>
+        </p:spPr>
+        <p:style>
+          <a:lnRef idx="2">
+            <a:schemeClr val="accent1">
+              <a:shade val="50000"/>
+            </a:schemeClr>
+          </a:lnRef>
+          <a:fillRef idx="1">
+            <a:schemeClr val="accent1"/>
+          </a:fillRef>
+          <a:effectRef idx="0">
+            <a:schemeClr val="accent1"/>
+          </a:effectRef>
+          <a:fontRef idx="minor">
+            <a:schemeClr val="lt1"/>
+          </a:fontRef>
+        </p:style>
+        <p:txBody>
+          <a:bodyPr rtlCol="0" anchor="ctr"/>
+          <a:lstStyle/>
+          <a:p>
+            <a:pPr marL="361950" indent="-361950"/>
+            <a:r>
+              <a:rPr lang="en-US" dirty="0">
+                <a:solidFill>
+                  <a:schemeClr val="tx1">
+                    <a:lumMod val="75000"/>
+                    <a:lumOff val="25000"/>
+                  </a:schemeClr>
+                </a:solidFill>
+              </a:rPr>
+              <a:t>(2) “Save and update/activate”</a:t>
+            </a:r>
+            <a:endParaRPr lang="de-DE" dirty="0">
+              <a:solidFill>
+                <a:schemeClr val="tx1">
+                  <a:lumMod val="75000"/>
+                  <a:lumOff val="25000"/>
+                </a:schemeClr>
+              </a:solidFill>
+            </a:endParaRPr>
+          </a:p>
+        </p:txBody>
+      </p:sp>
+    </p:spTree>
+    <p:extLst>
+      <p:ext uri="{BB962C8B-B14F-4D97-AF65-F5344CB8AC3E}">
+        <p14:creationId xmlns:p14="http://schemas.microsoft.com/office/powerpoint/2010/main" val="4043790863"/>
+      </p:ext>
+    </p:extLst>
+  </p:cSld>
+  <p:clrMapOvr>
+    <a:masterClrMapping/>
+  </p:clrMapOvr>
+</p:sld>
+</file>
+
+<file path=ppt/slides/slide2.xml><?xml version="1.0" encoding="utf-8"?>
+<p:sld xmlns:a="http://schemas.openxmlformats.org/drawingml/2006/main" xmlns:r="http://schemas.openxmlformats.org/officeDocument/2006/relationships" xmlns:p="http://schemas.openxmlformats.org/presentationml/2006/main">
+  <p:cSld>
+    <p:spTree>
+      <p:nvGrpSpPr>
+        <p:cNvPr id="1" name=""/>
+        <p:cNvGrpSpPr/>
+        <p:nvPr/>
+      </p:nvGrpSpPr>
+      <p:grpSpPr>
+        <a:xfrm>
+          <a:off x="0" y="0"/>
+          <a:ext cx="0" cy="0"/>
+          <a:chOff x="0" y="0"/>
+          <a:chExt cx="0" cy="0"/>
+        </a:xfrm>
+      </p:grpSpPr>
       <p:pic>
         <p:nvPicPr>
           <p:cNvPr id="4" name="Grafik 3">
@@ -3555,7 +4271,7 @@
 </p:sld>
 </file>
 
-<file path=ppt/slides/slide2.xml><?xml version="1.0" encoding="utf-8"?>
+<file path=ppt/slides/slide3.xml><?xml version="1.0" encoding="utf-8"?>
 <p:sld xmlns:a="http://schemas.openxmlformats.org/drawingml/2006/main" xmlns:r="http://schemas.openxmlformats.org/officeDocument/2006/relationships" xmlns:p="http://schemas.openxmlformats.org/presentationml/2006/main">
   <p:cSld>
     <p:spTree>
@@ -3587,7 +4303,13 @@
           <p:nvPr/>
         </p:nvPicPr>
         <p:blipFill>
-          <a:blip r:embed="rId2"/>
+          <a:blip r:embed="rId2">
+            <a:extLst>
+              <a:ext uri="{28A0092B-C50C-407E-A947-70E740481C1C}">
+                <a14:useLocalDpi xmlns:a14="http://schemas.microsoft.com/office/drawing/2010/main" val="0"/>
+              </a:ext>
+            </a:extLst>
+          </a:blip>
           <a:stretch>
             <a:fillRect/>
           </a:stretch>
@@ -3595,7 +4317,7 @@
         <p:spPr>
           <a:xfrm>
             <a:off x="2744209" y="0"/>
-            <a:ext cx="6703581" cy="6858000"/>
+            <a:ext cx="6703581" cy="6857999"/>
           </a:xfrm>
           <a:prstGeom prst="rect">
             <a:avLst/>
@@ -3794,8 +4516,8 @@
         </p:nvSpPr>
         <p:spPr>
           <a:xfrm>
-            <a:off x="8304284" y="1914524"/>
-            <a:ext cx="2982841" cy="1295401"/>
+            <a:off x="8304284" y="1914525"/>
+            <a:ext cx="2982841" cy="647832"/>
           </a:xfrm>
           <a:prstGeom prst="borderCallout2">
             <a:avLst>
@@ -3856,7 +4578,7 @@
                   </a:schemeClr>
                 </a:solidFill>
               </a:rPr>
-              <a:t>(3) Your tool palette might be structured by groups: </a:t>
+              <a:t>(3) Your tool palette might be structured by groups </a:t>
             </a:r>
           </a:p>
           <a:p>
@@ -3872,36 +4594,6 @@
           </a:p>
         </p:txBody>
       </p:sp>
-      <p:pic>
-        <p:nvPicPr>
-          <p:cNvPr id="2" name="Grafik 1">
-            <a:extLst>
-              <a:ext uri="{FF2B5EF4-FFF2-40B4-BE49-F238E27FC236}">
-                <a16:creationId xmlns:a16="http://schemas.microsoft.com/office/drawing/2014/main" id="{35F74768-FC2C-40BD-ADB8-5D1BD5BE9650}"/>
-              </a:ext>
-            </a:extLst>
-          </p:cNvPr>
-          <p:cNvPicPr>
-            <a:picLocks noChangeAspect="1"/>
-          </p:cNvPicPr>
-          <p:nvPr/>
-        </p:nvPicPr>
-        <p:blipFill>
-          <a:blip r:embed="rId3"/>
-          <a:stretch>
-            <a:fillRect/>
-          </a:stretch>
-        </p:blipFill>
-        <p:spPr>
-          <a:xfrm>
-            <a:off x="9039007" y="2609784"/>
-            <a:ext cx="1562318" cy="476316"/>
-          </a:xfrm>
-          <a:prstGeom prst="rect">
-            <a:avLst/>
-          </a:prstGeom>
-        </p:spPr>
-      </p:pic>
       <p:sp>
         <p:nvSpPr>
           <p:cNvPr id="8" name="Legende: mit gebogener Linie 7">
@@ -4183,8 +4875,8 @@
         </p:nvSpPr>
         <p:spPr>
           <a:xfrm>
-            <a:off x="8738210" y="5726807"/>
-            <a:ext cx="2425486" cy="485775"/>
+            <a:off x="7159576" y="5867138"/>
+            <a:ext cx="1144708" cy="345444"/>
           </a:xfrm>
           <a:prstGeom prst="borderCallout2">
             <a:avLst>
@@ -4192,8 +4884,8 @@
               <a:gd name="adj2" fmla="val -8333"/>
               <a:gd name="adj3" fmla="val 18750"/>
               <a:gd name="adj4" fmla="val -16667"/>
-              <a:gd name="adj5" fmla="val 174383"/>
-              <a:gd name="adj6" fmla="val -37779"/>
+              <a:gd name="adj5" fmla="val 201852"/>
+              <a:gd name="adj6" fmla="val -60387"/>
             </a:avLst>
           </a:prstGeom>
           <a:solidFill>
@@ -4245,7 +4937,7 @@
                   </a:schemeClr>
                 </a:solidFill>
               </a:rPr>
-              <a:t>(6) “Save and update”</a:t>
+              <a:t>(7) Next &gt;</a:t>
             </a:r>
             <a:endParaRPr lang="de-DE" dirty="0">
               <a:solidFill>
@@ -4271,7 +4963,7 @@
 </p:sld>
 </file>
 
-<file path=ppt/slides/slide3.xml><?xml version="1.0" encoding="utf-8"?>
+<file path=ppt/slides/slide4.xml><?xml version="1.0" encoding="utf-8"?>
 <p:sld xmlns:a="http://schemas.openxmlformats.org/drawingml/2006/main" xmlns:r="http://schemas.openxmlformats.org/officeDocument/2006/relationships" xmlns:p="http://schemas.openxmlformats.org/presentationml/2006/main">
   <p:cSld>
     <p:spTree>
@@ -4346,6 +5038,13 @@
           <a:prstGeom prst="rect">
             <a:avLst/>
           </a:prstGeom>
+          <a:effectLst>
+            <a:outerShdw blurRad="63500" sx="102000" sy="102000" algn="ctr" rotWithShape="0">
+              <a:prstClr val="black">
+                <a:alpha val="40000"/>
+              </a:prstClr>
+            </a:outerShdw>
+          </a:effectLst>
         </p:spPr>
       </p:pic>
       <p:sp>
@@ -4617,10 +5316,10 @@
       </p:sp>
       <p:sp>
         <p:nvSpPr>
-          <p:cNvPr id="8" name="Legende: mit gebogener Linie 7">
-            <a:extLst>
-              <a:ext uri="{FF2B5EF4-FFF2-40B4-BE49-F238E27FC236}">
-                <a16:creationId xmlns:a16="http://schemas.microsoft.com/office/drawing/2014/main" id="{C57B70A9-3B52-4608-9394-6D65C54945D0}"/>
+          <p:cNvPr id="9" name="Legende: mit gebogener Linie 8">
+            <a:extLst>
+              <a:ext uri="{FF2B5EF4-FFF2-40B4-BE49-F238E27FC236}">
+                <a16:creationId xmlns:a16="http://schemas.microsoft.com/office/drawing/2014/main" id="{2344816B-E512-4C7D-B96D-0EF0724E15EC}"/>
               </a:ext>
             </a:extLst>
           </p:cNvPr>
@@ -4629,8 +5328,8 @@
         </p:nvSpPr>
         <p:spPr>
           <a:xfrm>
-            <a:off x="9084828" y="5419725"/>
-            <a:ext cx="2687061" cy="666750"/>
+            <a:off x="7159576" y="5867138"/>
+            <a:ext cx="1144708" cy="345444"/>
           </a:xfrm>
           <a:prstGeom prst="borderCallout2">
             <a:avLst>
@@ -4638,8 +5337,8 @@
               <a:gd name="adj2" fmla="val -8333"/>
               <a:gd name="adj3" fmla="val 18750"/>
               <a:gd name="adj4" fmla="val -16667"/>
-              <a:gd name="adj5" fmla="val 169313"/>
-              <a:gd name="adj6" fmla="val -44010"/>
+              <a:gd name="adj5" fmla="val 201852"/>
+              <a:gd name="adj6" fmla="val -60387"/>
             </a:avLst>
           </a:prstGeom>
           <a:solidFill>
@@ -4691,7 +5390,7 @@
                   </a:schemeClr>
                 </a:solidFill>
               </a:rPr>
-              <a:t>(4) “Save and Update”</a:t>
+              <a:t>(4) Next &gt;</a:t>
             </a:r>
             <a:endParaRPr lang="de-DE" dirty="0">
               <a:solidFill>
@@ -4717,7 +5416,7 @@
 </p:sld>
 </file>
 
-<file path=ppt/slides/slide4.xml><?xml version="1.0" encoding="utf-8"?>
+<file path=ppt/slides/slide5.xml><?xml version="1.0" encoding="utf-8"?>
 <p:sld xmlns:a="http://schemas.openxmlformats.org/drawingml/2006/main" xmlns:r="http://schemas.openxmlformats.org/officeDocument/2006/relationships" xmlns:p="http://schemas.openxmlformats.org/presentationml/2006/main">
   <p:cSld>
     <p:spTree>
@@ -4974,10 +5673,10 @@
       </p:sp>
       <p:sp>
         <p:nvSpPr>
-          <p:cNvPr id="7" name="Legende: mit gebogener Linie 6">
-            <a:extLst>
-              <a:ext uri="{FF2B5EF4-FFF2-40B4-BE49-F238E27FC236}">
-                <a16:creationId xmlns:a16="http://schemas.microsoft.com/office/drawing/2014/main" id="{629B0A63-30F2-4A9B-ACB8-B76F7F3A4569}"/>
+          <p:cNvPr id="8" name="Legende: mit gebogener Linie 7">
+            <a:extLst>
+              <a:ext uri="{FF2B5EF4-FFF2-40B4-BE49-F238E27FC236}">
+                <a16:creationId xmlns:a16="http://schemas.microsoft.com/office/drawing/2014/main" id="{81C38697-F265-41A2-988F-618765B3218D}"/>
               </a:ext>
             </a:extLst>
           </p:cNvPr>
@@ -4986,8 +5685,8 @@
         </p:nvSpPr>
         <p:spPr>
           <a:xfrm>
-            <a:off x="9084828" y="5419725"/>
-            <a:ext cx="2687061" cy="666750"/>
+            <a:off x="7159576" y="5867138"/>
+            <a:ext cx="1144708" cy="345444"/>
           </a:xfrm>
           <a:prstGeom prst="borderCallout2">
             <a:avLst>
@@ -4995,8 +5694,8 @@
               <a:gd name="adj2" fmla="val -8333"/>
               <a:gd name="adj3" fmla="val 18750"/>
               <a:gd name="adj4" fmla="val -16667"/>
-              <a:gd name="adj5" fmla="val 169313"/>
-              <a:gd name="adj6" fmla="val -44010"/>
+              <a:gd name="adj5" fmla="val 201852"/>
+              <a:gd name="adj6" fmla="val -60387"/>
             </a:avLst>
           </a:prstGeom>
           <a:solidFill>
@@ -5048,7 +5747,7 @@
                   </a:schemeClr>
                 </a:solidFill>
               </a:rPr>
-              <a:t>(3) “Save and Update”</a:t>
+              <a:t>(3) Next &gt;</a:t>
             </a:r>
             <a:endParaRPr lang="de-DE" dirty="0">
               <a:solidFill>
@@ -5074,7 +5773,7 @@
 </p:sld>
 </file>
 
-<file path=ppt/slides/slide5.xml><?xml version="1.0" encoding="utf-8"?>
+<file path=ppt/slides/slide6.xml><?xml version="1.0" encoding="utf-8"?>
 <p:sld xmlns:a="http://schemas.openxmlformats.org/drawingml/2006/main" xmlns:r="http://schemas.openxmlformats.org/officeDocument/2006/relationships" xmlns:p="http://schemas.openxmlformats.org/presentationml/2006/main">
   <p:cSld>
     <p:spTree>
@@ -5212,10 +5911,10 @@
       </p:sp>
       <p:sp>
         <p:nvSpPr>
-          <p:cNvPr id="6" name="Legende: mit gebogener Linie 5">
-            <a:extLst>
-              <a:ext uri="{FF2B5EF4-FFF2-40B4-BE49-F238E27FC236}">
-                <a16:creationId xmlns:a16="http://schemas.microsoft.com/office/drawing/2014/main" id="{5CE74908-FDC4-4DBC-A3CF-FED0775175DF}"/>
+          <p:cNvPr id="7" name="Legende: mit gebogener Linie 6">
+            <a:extLst>
+              <a:ext uri="{FF2B5EF4-FFF2-40B4-BE49-F238E27FC236}">
+                <a16:creationId xmlns:a16="http://schemas.microsoft.com/office/drawing/2014/main" id="{8440A918-20E8-453E-896F-A3FD149C4103}"/>
               </a:ext>
             </a:extLst>
           </p:cNvPr>
@@ -5224,8 +5923,8 @@
         </p:nvSpPr>
         <p:spPr>
           <a:xfrm>
-            <a:off x="9084828" y="5419725"/>
-            <a:ext cx="2135621" cy="428625"/>
+            <a:off x="7159576" y="5867138"/>
+            <a:ext cx="1144708" cy="345444"/>
           </a:xfrm>
           <a:prstGeom prst="borderCallout2">
             <a:avLst>
@@ -5233,8 +5932,8 @@
               <a:gd name="adj2" fmla="val -8333"/>
               <a:gd name="adj3" fmla="val 18750"/>
               <a:gd name="adj4" fmla="val -16667"/>
-              <a:gd name="adj5" fmla="val 267091"/>
-              <a:gd name="adj6" fmla="val -51592"/>
+              <a:gd name="adj5" fmla="val 201852"/>
+              <a:gd name="adj6" fmla="val -60387"/>
             </a:avLst>
           </a:prstGeom>
           <a:solidFill>
@@ -5286,7 +5985,7 @@
                   </a:schemeClr>
                 </a:solidFill>
               </a:rPr>
-              <a:t>“Save and Update”</a:t>
+              <a:t>(1) Next &gt;</a:t>
             </a:r>
             <a:endParaRPr lang="de-DE" dirty="0">
               <a:solidFill>
@@ -5303,96 +6002,6 @@
     <p:extLst>
       <p:ext uri="{BB962C8B-B14F-4D97-AF65-F5344CB8AC3E}">
         <p14:creationId xmlns:p14="http://schemas.microsoft.com/office/powerpoint/2010/main" val="1449836120"/>
-      </p:ext>
-    </p:extLst>
-  </p:cSld>
-  <p:clrMapOvr>
-    <a:masterClrMapping/>
-  </p:clrMapOvr>
-</p:sld>
-</file>
-
-<file path=ppt/slides/slide6.xml><?xml version="1.0" encoding="utf-8"?>
-<p:sld xmlns:a="http://schemas.openxmlformats.org/drawingml/2006/main" xmlns:r="http://schemas.openxmlformats.org/officeDocument/2006/relationships" xmlns:p="http://schemas.openxmlformats.org/presentationml/2006/main">
-  <p:cSld>
-    <p:spTree>
-      <p:nvGrpSpPr>
-        <p:cNvPr id="1" name=""/>
-        <p:cNvGrpSpPr/>
-        <p:nvPr/>
-      </p:nvGrpSpPr>
-      <p:grpSpPr>
-        <a:xfrm>
-          <a:off x="0" y="0"/>
-          <a:ext cx="0" cy="0"/>
-          <a:chOff x="0" y="0"/>
-          <a:chExt cx="0" cy="0"/>
-        </a:xfrm>
-      </p:grpSpPr>
-      <p:pic>
-        <p:nvPicPr>
-          <p:cNvPr id="3" name="Grafik 2">
-            <a:extLst>
-              <a:ext uri="{FF2B5EF4-FFF2-40B4-BE49-F238E27FC236}">
-                <a16:creationId xmlns:a16="http://schemas.microsoft.com/office/drawing/2014/main" id="{C8C47F0B-6074-4C10-A29E-FBD99A26EAB6}"/>
-              </a:ext>
-            </a:extLst>
-          </p:cNvPr>
-          <p:cNvPicPr>
-            <a:picLocks noChangeAspect="1"/>
-          </p:cNvPicPr>
-          <p:nvPr/>
-        </p:nvPicPr>
-        <p:blipFill>
-          <a:blip r:embed="rId2"/>
-          <a:stretch>
-            <a:fillRect/>
-          </a:stretch>
-        </p:blipFill>
-        <p:spPr>
-          <a:xfrm>
-            <a:off x="2744209" y="0"/>
-            <a:ext cx="6703581" cy="6858000"/>
-          </a:xfrm>
-          <a:prstGeom prst="rect">
-            <a:avLst/>
-          </a:prstGeom>
-        </p:spPr>
-      </p:pic>
-      <p:pic>
-        <p:nvPicPr>
-          <p:cNvPr id="4" name="Grafik 3">
-            <a:extLst>
-              <a:ext uri="{FF2B5EF4-FFF2-40B4-BE49-F238E27FC236}">
-                <a16:creationId xmlns:a16="http://schemas.microsoft.com/office/drawing/2014/main" id="{B30D7328-0542-41C4-96E4-1CCE3BD4456B}"/>
-              </a:ext>
-            </a:extLst>
-          </p:cNvPr>
-          <p:cNvPicPr>
-            <a:picLocks noChangeAspect="1"/>
-          </p:cNvPicPr>
-          <p:nvPr/>
-        </p:nvPicPr>
-        <p:blipFill>
-          <a:blip r:embed="rId3"/>
-          <a:stretch>
-            <a:fillRect/>
-          </a:stretch>
-        </p:blipFill>
-        <p:spPr>
-          <a:xfrm>
-            <a:off x="5297627" y="1462177"/>
-            <a:ext cx="5581650" cy="2867025"/>
-          </a:xfrm>
-          <a:prstGeom prst="rect">
-            <a:avLst/>
-          </a:prstGeom>
-        </p:spPr>
-      </p:pic>
-    </p:spTree>
-    <p:extLst>
-      <p:ext uri="{BB962C8B-B14F-4D97-AF65-F5344CB8AC3E}">
-        <p14:creationId xmlns:p14="http://schemas.microsoft.com/office/powerpoint/2010/main" val="2777036493"/>
       </p:ext>
     </p:extLst>
   </p:cSld>
@@ -5419,88 +6028,12 @@
           <a:chExt cx="0" cy="0"/>
         </a:xfrm>
       </p:grpSpPr>
-      <p:sp>
-        <p:nvSpPr>
-          <p:cNvPr id="5" name="Rechteck 4">
-            <a:extLst>
-              <a:ext uri="{FF2B5EF4-FFF2-40B4-BE49-F238E27FC236}">
-                <a16:creationId xmlns:a16="http://schemas.microsoft.com/office/drawing/2014/main" id="{B4ACF704-C2EF-43B2-8B68-3529E747FB45}"/>
-              </a:ext>
-            </a:extLst>
-          </p:cNvPr>
-          <p:cNvSpPr/>
-          <p:nvPr/>
-        </p:nvSpPr>
-        <p:spPr>
-          <a:xfrm>
-            <a:off x="228600" y="536138"/>
-            <a:ext cx="4851400" cy="923330"/>
-          </a:xfrm>
-          <a:prstGeom prst="rect">
-            <a:avLst/>
-          </a:prstGeom>
-          <a:noFill/>
-          <a:ln>
-            <a:noFill/>
-          </a:ln>
-          <a:effectLst/>
-        </p:spPr>
-        <p:txBody>
-          <a:bodyPr wrap="square">
-            <a:spAutoFit/>
-          </a:bodyPr>
-          <a:lstStyle/>
-          <a:p>
-            <a:r>
-              <a:rPr lang="de-DE" dirty="0">
-                <a:latin typeface="Courier"/>
-              </a:rPr>
-              <a:t>C:\ProgramData\mambaforge\Scripts\activate.bat </a:t>
-            </a:r>
-            <a:r>
-              <a:rPr lang="de-DE" dirty="0" err="1">
-                <a:latin typeface="Courier"/>
-              </a:rPr>
-              <a:t>cpacsSeminar</a:t>
-            </a:r>
-            <a:endParaRPr lang="de-DE" dirty="0">
-              <a:latin typeface="Courier"/>
-            </a:endParaRPr>
-          </a:p>
-          <a:p>
-            <a:r>
-              <a:rPr lang="de-DE" dirty="0" err="1">
-                <a:latin typeface="Courier"/>
-              </a:rPr>
-              <a:t>python</a:t>
-            </a:r>
-            <a:r>
-              <a:rPr lang="de-DE" dirty="0">
-                <a:latin typeface="Courier"/>
-              </a:rPr>
-              <a:t> "${</a:t>
-            </a:r>
-            <a:r>
-              <a:rPr lang="de-DE" dirty="0" err="1">
-                <a:latin typeface="Courier"/>
-              </a:rPr>
-              <a:t>dir:tool</a:t>
-            </a:r>
-            <a:r>
-              <a:rPr lang="de-DE" dirty="0">
-                <a:latin typeface="Courier"/>
-              </a:rPr>
-              <a:t>}"\run.py</a:t>
-            </a:r>
-          </a:p>
-        </p:txBody>
-      </p:sp>
       <p:pic>
         <p:nvPicPr>
-          <p:cNvPr id="2" name="Grafik 1">
-            <a:extLst>
-              <a:ext uri="{FF2B5EF4-FFF2-40B4-BE49-F238E27FC236}">
-                <a16:creationId xmlns:a16="http://schemas.microsoft.com/office/drawing/2014/main" id="{69FA3636-9084-445F-BE0A-8DAE2E453726}"/>
+          <p:cNvPr id="3" name="Grafik 2">
+            <a:extLst>
+              <a:ext uri="{FF2B5EF4-FFF2-40B4-BE49-F238E27FC236}">
+                <a16:creationId xmlns:a16="http://schemas.microsoft.com/office/drawing/2014/main" id="{C8C47F0B-6074-4C10-A29E-FBD99A26EAB6}"/>
               </a:ext>
             </a:extLst>
           </p:cNvPr>
@@ -5517,7 +6050,7 @@
         </p:blipFill>
         <p:spPr>
           <a:xfrm>
-            <a:off x="5488419" y="0"/>
+            <a:off x="2744209" y="0"/>
             <a:ext cx="6703581" cy="6858000"/>
           </a:xfrm>
           <a:prstGeom prst="rect">
@@ -5525,10 +6058,670 @@
           </a:prstGeom>
         </p:spPr>
       </p:pic>
+      <p:pic>
+        <p:nvPicPr>
+          <p:cNvPr id="4" name="Grafik 3">
+            <a:extLst>
+              <a:ext uri="{FF2B5EF4-FFF2-40B4-BE49-F238E27FC236}">
+                <a16:creationId xmlns:a16="http://schemas.microsoft.com/office/drawing/2014/main" id="{B30D7328-0542-41C4-96E4-1CCE3BD4456B}"/>
+              </a:ext>
+            </a:extLst>
+          </p:cNvPr>
+          <p:cNvPicPr>
+            <a:picLocks noChangeAspect="1"/>
+          </p:cNvPicPr>
+          <p:nvPr/>
+        </p:nvPicPr>
+        <p:blipFill>
+          <a:blip r:embed="rId3"/>
+          <a:stretch>
+            <a:fillRect/>
+          </a:stretch>
+        </p:blipFill>
+        <p:spPr>
+          <a:xfrm>
+            <a:off x="5297627" y="1462177"/>
+            <a:ext cx="5581650" cy="2867025"/>
+          </a:xfrm>
+          <a:prstGeom prst="rect">
+            <a:avLst/>
+          </a:prstGeom>
+          <a:effectLst>
+            <a:outerShdw blurRad="63500" sx="102000" sy="102000" algn="ctr" rotWithShape="0">
+              <a:prstClr val="black">
+                <a:alpha val="40000"/>
+              </a:prstClr>
+            </a:outerShdw>
+          </a:effectLst>
+        </p:spPr>
+      </p:pic>
+      <p:sp>
+        <p:nvSpPr>
+          <p:cNvPr id="5" name="Legende: mit gebogener Linie 4">
+            <a:extLst>
+              <a:ext uri="{FF2B5EF4-FFF2-40B4-BE49-F238E27FC236}">
+                <a16:creationId xmlns:a16="http://schemas.microsoft.com/office/drawing/2014/main" id="{59CE9C22-25FE-4BBE-B8B7-8DDF0B1EE3C7}"/>
+              </a:ext>
+            </a:extLst>
+          </p:cNvPr>
+          <p:cNvSpPr/>
+          <p:nvPr/>
+        </p:nvSpPr>
+        <p:spPr>
+          <a:xfrm>
+            <a:off x="9236690" y="586595"/>
+            <a:ext cx="2687061" cy="349371"/>
+          </a:xfrm>
+          <a:prstGeom prst="borderCallout2">
+            <a:avLst>
+              <a:gd name="adj1" fmla="val 18750"/>
+              <a:gd name="adj2" fmla="val -8333"/>
+              <a:gd name="adj3" fmla="val 18750"/>
+              <a:gd name="adj4" fmla="val -16667"/>
+              <a:gd name="adj5" fmla="val 133038"/>
+              <a:gd name="adj6" fmla="val -11948"/>
+            </a:avLst>
+          </a:prstGeom>
+          <a:solidFill>
+            <a:schemeClr val="bg1"/>
+          </a:solidFill>
+          <a:ln>
+            <a:solidFill>
+              <a:schemeClr val="tx1">
+                <a:lumMod val="50000"/>
+                <a:lumOff val="50000"/>
+              </a:schemeClr>
+            </a:solidFill>
+          </a:ln>
+          <a:effectLst>
+            <a:outerShdw blurRad="50800" dist="38100" dir="2700000" algn="tl" rotWithShape="0">
+              <a:prstClr val="black">
+                <a:alpha val="40000"/>
+              </a:prstClr>
+            </a:outerShdw>
+          </a:effectLst>
+        </p:spPr>
+        <p:style>
+          <a:lnRef idx="2">
+            <a:schemeClr val="accent1">
+              <a:shade val="50000"/>
+            </a:schemeClr>
+          </a:lnRef>
+          <a:fillRef idx="1">
+            <a:schemeClr val="accent1"/>
+          </a:fillRef>
+          <a:effectRef idx="0">
+            <a:schemeClr val="accent1"/>
+          </a:effectRef>
+          <a:fontRef idx="minor">
+            <a:schemeClr val="lt1"/>
+          </a:fontRef>
+        </p:style>
+        <p:txBody>
+          <a:bodyPr rtlCol="0" anchor="ctr"/>
+          <a:lstStyle/>
+          <a:p>
+            <a:pPr marL="361950" indent="-361950"/>
+            <a:r>
+              <a:rPr lang="en-US" dirty="0">
+                <a:solidFill>
+                  <a:schemeClr val="tx1">
+                    <a:lumMod val="75000"/>
+                    <a:lumOff val="25000"/>
+                  </a:schemeClr>
+                </a:solidFill>
+              </a:rPr>
+              <a:t>(1) Add launch setting</a:t>
+            </a:r>
+            <a:endParaRPr lang="de-DE" dirty="0">
+              <a:solidFill>
+                <a:schemeClr val="tx1">
+                  <a:lumMod val="75000"/>
+                  <a:lumOff val="25000"/>
+                </a:schemeClr>
+              </a:solidFill>
+            </a:endParaRPr>
+          </a:p>
+        </p:txBody>
+      </p:sp>
+      <p:sp>
+        <p:nvSpPr>
+          <p:cNvPr id="6" name="Legende: mit gebogener Linie 5">
+            <a:extLst>
+              <a:ext uri="{FF2B5EF4-FFF2-40B4-BE49-F238E27FC236}">
+                <a16:creationId xmlns:a16="http://schemas.microsoft.com/office/drawing/2014/main" id="{A3C3954A-7B77-4FF9-9A10-13C05268B3FE}"/>
+              </a:ext>
+            </a:extLst>
+          </p:cNvPr>
+          <p:cNvSpPr/>
+          <p:nvPr/>
+        </p:nvSpPr>
+        <p:spPr>
+          <a:xfrm flipH="1">
+            <a:off x="1478135" y="2543441"/>
+            <a:ext cx="2687061" cy="349371"/>
+          </a:xfrm>
+          <a:prstGeom prst="borderCallout2">
+            <a:avLst>
+              <a:gd name="adj1" fmla="val 18750"/>
+              <a:gd name="adj2" fmla="val -8333"/>
+              <a:gd name="adj3" fmla="val 18750"/>
+              <a:gd name="adj4" fmla="val -16667"/>
+              <a:gd name="adj5" fmla="val -145973"/>
+              <a:gd name="adj6" fmla="val -45336"/>
+            </a:avLst>
+          </a:prstGeom>
+          <a:solidFill>
+            <a:schemeClr val="bg1"/>
+          </a:solidFill>
+          <a:ln>
+            <a:solidFill>
+              <a:schemeClr val="tx1">
+                <a:lumMod val="50000"/>
+                <a:lumOff val="50000"/>
+              </a:schemeClr>
+            </a:solidFill>
+          </a:ln>
+          <a:effectLst>
+            <a:outerShdw blurRad="50800" dist="38100" dir="2700000" algn="tl" rotWithShape="0">
+              <a:prstClr val="black">
+                <a:alpha val="40000"/>
+              </a:prstClr>
+            </a:outerShdw>
+          </a:effectLst>
+        </p:spPr>
+        <p:style>
+          <a:lnRef idx="2">
+            <a:schemeClr val="accent1">
+              <a:shade val="50000"/>
+            </a:schemeClr>
+          </a:lnRef>
+          <a:fillRef idx="1">
+            <a:schemeClr val="accent1"/>
+          </a:fillRef>
+          <a:effectRef idx="0">
+            <a:schemeClr val="accent1"/>
+          </a:effectRef>
+          <a:fontRef idx="minor">
+            <a:schemeClr val="lt1"/>
+          </a:fontRef>
+        </p:style>
+        <p:txBody>
+          <a:bodyPr rtlCol="0" anchor="ctr"/>
+          <a:lstStyle/>
+          <a:p>
+            <a:pPr marL="361950" indent="-361950"/>
+            <a:r>
+              <a:rPr lang="en-US" dirty="0">
+                <a:solidFill>
+                  <a:schemeClr val="tx1">
+                    <a:lumMod val="75000"/>
+                    <a:lumOff val="25000"/>
+                  </a:schemeClr>
+                </a:solidFill>
+              </a:rPr>
+              <a:t>(2) Point to tool directory</a:t>
+            </a:r>
+            <a:endParaRPr lang="de-DE" dirty="0">
+              <a:solidFill>
+                <a:schemeClr val="tx1">
+                  <a:lumMod val="75000"/>
+                  <a:lumOff val="25000"/>
+                </a:schemeClr>
+              </a:solidFill>
+            </a:endParaRPr>
+          </a:p>
+        </p:txBody>
+      </p:sp>
+      <p:sp>
+        <p:nvSpPr>
+          <p:cNvPr id="7" name="Legende: mit gebogener Linie 6">
+            <a:extLst>
+              <a:ext uri="{FF2B5EF4-FFF2-40B4-BE49-F238E27FC236}">
+                <a16:creationId xmlns:a16="http://schemas.microsoft.com/office/drawing/2014/main" id="{4440B103-8068-4882-865F-FEA75BFE056B}"/>
+              </a:ext>
+            </a:extLst>
+          </p:cNvPr>
+          <p:cNvSpPr/>
+          <p:nvPr/>
+        </p:nvSpPr>
+        <p:spPr>
+          <a:xfrm flipH="1">
+            <a:off x="1478134" y="3015018"/>
+            <a:ext cx="2687061" cy="349371"/>
+          </a:xfrm>
+          <a:prstGeom prst="borderCallout2">
+            <a:avLst>
+              <a:gd name="adj1" fmla="val 18750"/>
+              <a:gd name="adj2" fmla="val -8333"/>
+              <a:gd name="adj3" fmla="val 18750"/>
+              <a:gd name="adj4" fmla="val -16667"/>
+              <a:gd name="adj5" fmla="val -205232"/>
+              <a:gd name="adj6" fmla="val -44373"/>
+            </a:avLst>
+          </a:prstGeom>
+          <a:solidFill>
+            <a:schemeClr val="bg1"/>
+          </a:solidFill>
+          <a:ln>
+            <a:solidFill>
+              <a:schemeClr val="tx1">
+                <a:lumMod val="50000"/>
+                <a:lumOff val="50000"/>
+              </a:schemeClr>
+            </a:solidFill>
+          </a:ln>
+          <a:effectLst>
+            <a:outerShdw blurRad="50800" dist="38100" dir="2700000" algn="tl" rotWithShape="0">
+              <a:prstClr val="black">
+                <a:alpha val="40000"/>
+              </a:prstClr>
+            </a:outerShdw>
+          </a:effectLst>
+        </p:spPr>
+        <p:style>
+          <a:lnRef idx="2">
+            <a:schemeClr val="accent1">
+              <a:shade val="50000"/>
+            </a:schemeClr>
+          </a:lnRef>
+          <a:fillRef idx="1">
+            <a:schemeClr val="accent1"/>
+          </a:fillRef>
+          <a:effectRef idx="0">
+            <a:schemeClr val="accent1"/>
+          </a:effectRef>
+          <a:fontRef idx="minor">
+            <a:schemeClr val="lt1"/>
+          </a:fontRef>
+        </p:style>
+        <p:txBody>
+          <a:bodyPr rtlCol="0" anchor="ctr"/>
+          <a:lstStyle/>
+          <a:p>
+            <a:pPr marL="361950" indent="-361950"/>
+            <a:r>
+              <a:rPr lang="en-US" dirty="0">
+                <a:solidFill>
+                  <a:schemeClr val="tx1">
+                    <a:lumMod val="75000"/>
+                    <a:lumOff val="25000"/>
+                  </a:schemeClr>
+                </a:solidFill>
+              </a:rPr>
+              <a:t>(3) Select tool version</a:t>
+            </a:r>
+            <a:endParaRPr lang="de-DE" dirty="0">
+              <a:solidFill>
+                <a:schemeClr val="tx1">
+                  <a:lumMod val="75000"/>
+                  <a:lumOff val="25000"/>
+                </a:schemeClr>
+              </a:solidFill>
+            </a:endParaRPr>
+          </a:p>
+        </p:txBody>
+      </p:sp>
+      <p:sp>
+        <p:nvSpPr>
+          <p:cNvPr id="8" name="Legende: mit gebogener Linie 7">
+            <a:extLst>
+              <a:ext uri="{FF2B5EF4-FFF2-40B4-BE49-F238E27FC236}">
+                <a16:creationId xmlns:a16="http://schemas.microsoft.com/office/drawing/2014/main" id="{8E670E2A-E1C0-4F01-940A-C2A9837A75A5}"/>
+              </a:ext>
+            </a:extLst>
+          </p:cNvPr>
+          <p:cNvSpPr/>
+          <p:nvPr/>
+        </p:nvSpPr>
+        <p:spPr>
+          <a:xfrm flipH="1">
+            <a:off x="1112807" y="3508794"/>
+            <a:ext cx="3052385" cy="349371"/>
+          </a:xfrm>
+          <a:prstGeom prst="borderCallout2">
+            <a:avLst>
+              <a:gd name="adj1" fmla="val 18750"/>
+              <a:gd name="adj2" fmla="val -8333"/>
+              <a:gd name="adj3" fmla="val 18750"/>
+              <a:gd name="adj4" fmla="val -16667"/>
+              <a:gd name="adj5" fmla="val -121963"/>
+              <a:gd name="adj6" fmla="val -50422"/>
+            </a:avLst>
+          </a:prstGeom>
+          <a:solidFill>
+            <a:schemeClr val="bg1"/>
+          </a:solidFill>
+          <a:ln>
+            <a:solidFill>
+              <a:schemeClr val="tx1">
+                <a:lumMod val="50000"/>
+                <a:lumOff val="50000"/>
+              </a:schemeClr>
+            </a:solidFill>
+          </a:ln>
+          <a:effectLst>
+            <a:outerShdw blurRad="50800" dist="38100" dir="2700000" algn="tl" rotWithShape="0">
+              <a:prstClr val="black">
+                <a:alpha val="40000"/>
+              </a:prstClr>
+            </a:outerShdw>
+          </a:effectLst>
+        </p:spPr>
+        <p:style>
+          <a:lnRef idx="2">
+            <a:schemeClr val="accent1">
+              <a:shade val="50000"/>
+            </a:schemeClr>
+          </a:lnRef>
+          <a:fillRef idx="1">
+            <a:schemeClr val="accent1"/>
+          </a:fillRef>
+          <a:effectRef idx="0">
+            <a:schemeClr val="accent1"/>
+          </a:effectRef>
+          <a:fontRef idx="minor">
+            <a:schemeClr val="lt1"/>
+          </a:fontRef>
+        </p:style>
+        <p:txBody>
+          <a:bodyPr rtlCol="0" anchor="ctr"/>
+          <a:lstStyle/>
+          <a:p>
+            <a:pPr marL="361950" indent="-361950"/>
+            <a:r>
+              <a:rPr lang="en-US" dirty="0">
+                <a:solidFill>
+                  <a:schemeClr val="tx1">
+                    <a:lumMod val="75000"/>
+                    <a:lumOff val="25000"/>
+                  </a:schemeClr>
+                </a:solidFill>
+              </a:rPr>
+              <a:t>(4) Select checkboxes like this</a:t>
+            </a:r>
+            <a:endParaRPr lang="de-DE" dirty="0">
+              <a:solidFill>
+                <a:schemeClr val="tx1">
+                  <a:lumMod val="75000"/>
+                  <a:lumOff val="25000"/>
+                </a:schemeClr>
+              </a:solidFill>
+            </a:endParaRPr>
+          </a:p>
+        </p:txBody>
+      </p:sp>
+      <p:sp>
+        <p:nvSpPr>
+          <p:cNvPr id="9" name="Legende: mit gebogener Linie 8">
+            <a:extLst>
+              <a:ext uri="{FF2B5EF4-FFF2-40B4-BE49-F238E27FC236}">
+                <a16:creationId xmlns:a16="http://schemas.microsoft.com/office/drawing/2014/main" id="{6DFFFDAA-E02F-4661-BE8E-1EA1A45E93D7}"/>
+              </a:ext>
+            </a:extLst>
+          </p:cNvPr>
+          <p:cNvSpPr/>
+          <p:nvPr/>
+        </p:nvSpPr>
+        <p:spPr>
+          <a:xfrm flipH="1">
+            <a:off x="268246" y="5360597"/>
+            <a:ext cx="3052385" cy="539871"/>
+          </a:xfrm>
+          <a:prstGeom prst="borderCallout2">
+            <a:avLst>
+              <a:gd name="adj1" fmla="val 18750"/>
+              <a:gd name="adj2" fmla="val -8333"/>
+              <a:gd name="adj3" fmla="val 18750"/>
+              <a:gd name="adj4" fmla="val -16667"/>
+              <a:gd name="adj5" fmla="val -26682"/>
+              <a:gd name="adj6" fmla="val -21596"/>
+            </a:avLst>
+          </a:prstGeom>
+          <a:solidFill>
+            <a:schemeClr val="bg1"/>
+          </a:solidFill>
+          <a:ln>
+            <a:solidFill>
+              <a:schemeClr val="tx1">
+                <a:lumMod val="50000"/>
+                <a:lumOff val="50000"/>
+              </a:schemeClr>
+            </a:solidFill>
+          </a:ln>
+          <a:effectLst>
+            <a:outerShdw blurRad="50800" dist="38100" dir="2700000" algn="tl" rotWithShape="0">
+              <a:prstClr val="black">
+                <a:alpha val="40000"/>
+              </a:prstClr>
+            </a:outerShdw>
+          </a:effectLst>
+        </p:spPr>
+        <p:style>
+          <a:lnRef idx="2">
+            <a:schemeClr val="accent1">
+              <a:shade val="50000"/>
+            </a:schemeClr>
+          </a:lnRef>
+          <a:fillRef idx="1">
+            <a:schemeClr val="accent1"/>
+          </a:fillRef>
+          <a:effectRef idx="0">
+            <a:schemeClr val="accent1"/>
+          </a:effectRef>
+          <a:fontRef idx="minor">
+            <a:schemeClr val="lt1"/>
+          </a:fontRef>
+        </p:style>
+        <p:txBody>
+          <a:bodyPr rtlCol="0" anchor="ctr"/>
+          <a:lstStyle/>
+          <a:p>
+            <a:pPr marL="361950" indent="-361950"/>
+            <a:r>
+              <a:rPr lang="en-US" dirty="0">
+                <a:solidFill>
+                  <a:schemeClr val="tx1">
+                    <a:lumMod val="75000"/>
+                    <a:lumOff val="25000"/>
+                  </a:schemeClr>
+                </a:solidFill>
+              </a:rPr>
+              <a:t>(5) Select your preferred copying behavior</a:t>
+            </a:r>
+            <a:endParaRPr lang="de-DE" dirty="0">
+              <a:solidFill>
+                <a:schemeClr val="tx1">
+                  <a:lumMod val="75000"/>
+                  <a:lumOff val="25000"/>
+                </a:schemeClr>
+              </a:solidFill>
+            </a:endParaRPr>
+          </a:p>
+        </p:txBody>
+      </p:sp>
+      <p:sp>
+        <p:nvSpPr>
+          <p:cNvPr id="10" name="Legende: mit gebogener Linie 9">
+            <a:extLst>
+              <a:ext uri="{FF2B5EF4-FFF2-40B4-BE49-F238E27FC236}">
+                <a16:creationId xmlns:a16="http://schemas.microsoft.com/office/drawing/2014/main" id="{0A79809A-AB8D-401D-85F3-83B569C17323}"/>
+              </a:ext>
+            </a:extLst>
+          </p:cNvPr>
+          <p:cNvSpPr/>
+          <p:nvPr/>
+        </p:nvSpPr>
+        <p:spPr>
+          <a:xfrm>
+            <a:off x="8871366" y="5185911"/>
+            <a:ext cx="3052385" cy="349372"/>
+          </a:xfrm>
+          <a:prstGeom prst="borderCallout2">
+            <a:avLst>
+              <a:gd name="adj1" fmla="val 18750"/>
+              <a:gd name="adj2" fmla="val -8333"/>
+              <a:gd name="adj3" fmla="val 18750"/>
+              <a:gd name="adj4" fmla="val -16667"/>
+              <a:gd name="adj5" fmla="val -30470"/>
+              <a:gd name="adj6" fmla="val -44205"/>
+            </a:avLst>
+          </a:prstGeom>
+          <a:solidFill>
+            <a:schemeClr val="bg1"/>
+          </a:solidFill>
+          <a:ln>
+            <a:solidFill>
+              <a:schemeClr val="tx1">
+                <a:lumMod val="50000"/>
+                <a:lumOff val="50000"/>
+              </a:schemeClr>
+            </a:solidFill>
+          </a:ln>
+          <a:effectLst>
+            <a:outerShdw blurRad="50800" dist="38100" dir="2700000" algn="tl" rotWithShape="0">
+              <a:prstClr val="black">
+                <a:alpha val="40000"/>
+              </a:prstClr>
+            </a:outerShdw>
+          </a:effectLst>
+        </p:spPr>
+        <p:style>
+          <a:lnRef idx="2">
+            <a:schemeClr val="accent1">
+              <a:shade val="50000"/>
+            </a:schemeClr>
+          </a:lnRef>
+          <a:fillRef idx="1">
+            <a:schemeClr val="accent1"/>
+          </a:fillRef>
+          <a:effectRef idx="0">
+            <a:schemeClr val="accent1"/>
+          </a:effectRef>
+          <a:fontRef idx="minor">
+            <a:schemeClr val="lt1"/>
+          </a:fontRef>
+        </p:style>
+        <p:txBody>
+          <a:bodyPr rtlCol="0" anchor="ctr"/>
+          <a:lstStyle/>
+          <a:p>
+            <a:pPr marL="361950" indent="-361950"/>
+            <a:r>
+              <a:rPr lang="en-US" dirty="0">
+                <a:solidFill>
+                  <a:schemeClr val="tx1">
+                    <a:lumMod val="75000"/>
+                    <a:lumOff val="25000"/>
+                  </a:schemeClr>
+                </a:solidFill>
+              </a:rPr>
+              <a:t>(6) Convenient for debugging…</a:t>
+            </a:r>
+            <a:endParaRPr lang="de-DE" dirty="0">
+              <a:solidFill>
+                <a:schemeClr val="tx1">
+                  <a:lumMod val="75000"/>
+                  <a:lumOff val="25000"/>
+                </a:schemeClr>
+              </a:solidFill>
+            </a:endParaRPr>
+          </a:p>
+        </p:txBody>
+      </p:sp>
+      <p:sp>
+        <p:nvSpPr>
+          <p:cNvPr id="13" name="Legende: mit gebogener Linie 12">
+            <a:extLst>
+              <a:ext uri="{FF2B5EF4-FFF2-40B4-BE49-F238E27FC236}">
+                <a16:creationId xmlns:a16="http://schemas.microsoft.com/office/drawing/2014/main" id="{1857FAED-6FDE-49D7-8B86-AAEA71B46168}"/>
+              </a:ext>
+            </a:extLst>
+          </p:cNvPr>
+          <p:cNvSpPr/>
+          <p:nvPr/>
+        </p:nvSpPr>
+        <p:spPr>
+          <a:xfrm>
+            <a:off x="7159576" y="5867138"/>
+            <a:ext cx="1144708" cy="345444"/>
+          </a:xfrm>
+          <a:prstGeom prst="borderCallout2">
+            <a:avLst>
+              <a:gd name="adj1" fmla="val 18750"/>
+              <a:gd name="adj2" fmla="val -8333"/>
+              <a:gd name="adj3" fmla="val 18750"/>
+              <a:gd name="adj4" fmla="val -16667"/>
+              <a:gd name="adj5" fmla="val 201852"/>
+              <a:gd name="adj6" fmla="val -60387"/>
+            </a:avLst>
+          </a:prstGeom>
+          <a:solidFill>
+            <a:schemeClr val="bg1"/>
+          </a:solidFill>
+          <a:ln>
+            <a:solidFill>
+              <a:schemeClr val="tx1">
+                <a:lumMod val="50000"/>
+                <a:lumOff val="50000"/>
+              </a:schemeClr>
+            </a:solidFill>
+          </a:ln>
+          <a:effectLst>
+            <a:outerShdw blurRad="50800" dist="38100" dir="2700000" algn="tl" rotWithShape="0">
+              <a:prstClr val="black">
+                <a:alpha val="40000"/>
+              </a:prstClr>
+            </a:outerShdw>
+          </a:effectLst>
+        </p:spPr>
+        <p:style>
+          <a:lnRef idx="2">
+            <a:schemeClr val="accent1">
+              <a:shade val="50000"/>
+            </a:schemeClr>
+          </a:lnRef>
+          <a:fillRef idx="1">
+            <a:schemeClr val="accent1"/>
+          </a:fillRef>
+          <a:effectRef idx="0">
+            <a:schemeClr val="accent1"/>
+          </a:effectRef>
+          <a:fontRef idx="minor">
+            <a:schemeClr val="lt1"/>
+          </a:fontRef>
+        </p:style>
+        <p:txBody>
+          <a:bodyPr rtlCol="0" anchor="ctr"/>
+          <a:lstStyle/>
+          <a:p>
+            <a:pPr marL="361950" indent="-361950"/>
+            <a:r>
+              <a:rPr lang="en-US" dirty="0">
+                <a:solidFill>
+                  <a:schemeClr val="tx1">
+                    <a:lumMod val="75000"/>
+                    <a:lumOff val="25000"/>
+                  </a:schemeClr>
+                </a:solidFill>
+              </a:rPr>
+              <a:t>(7) Next &gt;</a:t>
+            </a:r>
+            <a:endParaRPr lang="de-DE" dirty="0">
+              <a:solidFill>
+                <a:schemeClr val="tx1">
+                  <a:lumMod val="75000"/>
+                  <a:lumOff val="25000"/>
+                </a:schemeClr>
+              </a:solidFill>
+            </a:endParaRPr>
+          </a:p>
+        </p:txBody>
+      </p:sp>
     </p:spTree>
     <p:extLst>
       <p:ext uri="{BB962C8B-B14F-4D97-AF65-F5344CB8AC3E}">
-        <p14:creationId xmlns:p14="http://schemas.microsoft.com/office/powerpoint/2010/main" val="2384244233"/>
+        <p14:creationId xmlns:p14="http://schemas.microsoft.com/office/powerpoint/2010/main" val="2777036493"/>
       </p:ext>
     </p:extLst>
   </p:cSld>
@@ -5560,7 +6753,7 @@
           <p:cNvPr id="5" name="Rechteck 4">
             <a:extLst>
               <a:ext uri="{FF2B5EF4-FFF2-40B4-BE49-F238E27FC236}">
-                <a16:creationId xmlns:a16="http://schemas.microsoft.com/office/drawing/2014/main" id="{216A6DAA-F260-403C-B677-3F0A260680B2}"/>
+                <a16:creationId xmlns:a16="http://schemas.microsoft.com/office/drawing/2014/main" id="{B4ACF704-C2EF-43B2-8B68-3529E747FB45}"/>
               </a:ext>
             </a:extLst>
           </p:cNvPr>
@@ -5569,12 +6762,30 @@
         </p:nvSpPr>
         <p:spPr>
           <a:xfrm>
-            <a:off x="152400" y="498545"/>
-            <a:ext cx="5003800" cy="3162404"/>
+            <a:off x="228600" y="536138"/>
+            <a:ext cx="4851400" cy="646331"/>
           </a:xfrm>
           <a:prstGeom prst="rect">
             <a:avLst/>
           </a:prstGeom>
+          <a:solidFill>
+            <a:schemeClr val="bg1"/>
+          </a:solidFill>
+          <a:ln>
+            <a:solidFill>
+              <a:schemeClr val="tx1">
+                <a:lumMod val="50000"/>
+                <a:lumOff val="50000"/>
+              </a:schemeClr>
+            </a:solidFill>
+          </a:ln>
+          <a:effectLst>
+            <a:outerShdw blurRad="63500" sx="102000" sy="102000" algn="ctr" rotWithShape="0">
+              <a:prstClr val="black">
+                <a:alpha val="40000"/>
+              </a:prstClr>
+            </a:outerShdw>
+          </a:effectLst>
         </p:spPr>
         <p:txBody>
           <a:bodyPr wrap="square">
@@ -5583,338 +6794,45 @@
           <a:lstStyle/>
           <a:p>
             <a:r>
-              <a:rPr lang="en-US" sz="1050" dirty="0">
+              <a:rPr lang="de-DE" sz="1200" dirty="0">
                 <a:latin typeface="Courier"/>
               </a:rPr>
-              <a:t># Create folder structure, if not already existing</a:t>
-            </a:r>
-          </a:p>
-          <a:p>
-            <a:endParaRPr lang="en-US" sz="1050" dirty="0">
+              <a:t>C:\ProgramData\mambaforge\Scripts\activate.bat </a:t>
+            </a:r>
+            <a:r>
+              <a:rPr lang="de-DE" sz="1200" dirty="0" err="1">
+                <a:latin typeface="Courier"/>
+              </a:rPr>
+              <a:t>cpacsSeminar</a:t>
+            </a:r>
+            <a:endParaRPr lang="de-DE" sz="1200" dirty="0">
               <a:latin typeface="Courier"/>
             </a:endParaRPr>
           </a:p>
           <a:p>
             <a:r>
-              <a:rPr lang="en-US" sz="1050" dirty="0" err="1">
+              <a:rPr lang="de-DE" sz="1200" dirty="0" err="1">
                 <a:latin typeface="Courier"/>
               </a:rPr>
-              <a:t>cpacsIOName</a:t>
-            </a:r>
-            <a:r>
-              <a:rPr lang="en-US" sz="1050" dirty="0">
+              <a:t>python</a:t>
+            </a:r>
+            <a:r>
+              <a:rPr lang="de-DE" sz="1200" dirty="0">
                 <a:latin typeface="Courier"/>
               </a:rPr>
-              <a:t> = "</a:t>
-            </a:r>
-            <a:r>
-              <a:rPr lang="en-US" sz="1050" dirty="0" err="1">
+              <a:t> "${</a:t>
+            </a:r>
+            <a:r>
+              <a:rPr lang="de-DE" sz="1200" dirty="0" err="1">
                 <a:latin typeface="Courier"/>
               </a:rPr>
-              <a:t>cpacsIO</a:t>
-            </a:r>
-            <a:r>
-              <a:rPr lang="en-US" sz="1050" dirty="0">
+              <a:t>dir:tool</a:t>
+            </a:r>
+            <a:r>
+              <a:rPr lang="de-DE" sz="1200" dirty="0">
                 <a:latin typeface="Courier"/>
               </a:rPr>
-              <a:t>" # CPACS input/output</a:t>
-            </a:r>
-          </a:p>
-          <a:p>
-            <a:r>
-              <a:rPr lang="en-US" sz="1050" dirty="0" err="1">
-                <a:latin typeface="Courier"/>
-              </a:rPr>
-              <a:t>toolIOName</a:t>
-            </a:r>
-            <a:r>
-              <a:rPr lang="en-US" sz="1050" dirty="0">
-                <a:latin typeface="Courier"/>
-              </a:rPr>
-              <a:t> = "</a:t>
-            </a:r>
-            <a:r>
-              <a:rPr lang="en-US" sz="1050" dirty="0" err="1">
-                <a:latin typeface="Courier"/>
-              </a:rPr>
-              <a:t>toolIO</a:t>
-            </a:r>
-            <a:r>
-              <a:rPr lang="en-US" sz="1050" dirty="0">
-                <a:latin typeface="Courier"/>
-              </a:rPr>
-              <a:t>" # Additional tool input/output</a:t>
-            </a:r>
-          </a:p>
-          <a:p>
-            <a:endParaRPr lang="en-US" sz="1050" dirty="0">
-              <a:latin typeface="Courier"/>
-            </a:endParaRPr>
-          </a:p>
-          <a:p>
-            <a:r>
-              <a:rPr lang="en-US" sz="1050" dirty="0">
-                <a:latin typeface="Courier"/>
-              </a:rPr>
-              <a:t>for </a:t>
-            </a:r>
-            <a:r>
-              <a:rPr lang="en-US" sz="1050" dirty="0" err="1">
-                <a:latin typeface="Courier"/>
-              </a:rPr>
-              <a:t>dirName</a:t>
-            </a:r>
-            <a:r>
-              <a:rPr lang="en-US" sz="1050" dirty="0">
-                <a:latin typeface="Courier"/>
-              </a:rPr>
-              <a:t> in [</a:t>
-            </a:r>
-            <a:r>
-              <a:rPr lang="en-US" sz="1050" dirty="0" err="1">
-                <a:latin typeface="Courier"/>
-              </a:rPr>
-              <a:t>cpacsIOName,toolIOName</a:t>
-            </a:r>
-            <a:r>
-              <a:rPr lang="en-US" sz="1050" dirty="0">
-                <a:latin typeface="Courier"/>
-              </a:rPr>
-              <a:t>]:</a:t>
-            </a:r>
-          </a:p>
-          <a:p>
-            <a:r>
-              <a:rPr lang="en-US" sz="1050" dirty="0">
-                <a:latin typeface="Courier"/>
-              </a:rPr>
-              <a:t>    try:</a:t>
-            </a:r>
-          </a:p>
-          <a:p>
-            <a:r>
-              <a:rPr lang="en-US" sz="1050" dirty="0">
-                <a:latin typeface="Courier"/>
-              </a:rPr>
-              <a:t>        </a:t>
-            </a:r>
-            <a:r>
-              <a:rPr lang="en-US" sz="1050" dirty="0" err="1">
-                <a:latin typeface="Courier"/>
-              </a:rPr>
-              <a:t>os.mkdir</a:t>
-            </a:r>
-            <a:r>
-              <a:rPr lang="en-US" sz="1050" dirty="0">
-                <a:latin typeface="Courier"/>
-              </a:rPr>
-              <a:t>(</a:t>
-            </a:r>
-            <a:r>
-              <a:rPr lang="en-US" sz="1050" dirty="0" err="1">
-                <a:latin typeface="Courier"/>
-              </a:rPr>
-              <a:t>os.path.join</a:t>
-            </a:r>
-            <a:r>
-              <a:rPr lang="en-US" sz="1050" dirty="0">
-                <a:latin typeface="Courier"/>
-              </a:rPr>
-              <a:t>("${</a:t>
-            </a:r>
-            <a:r>
-              <a:rPr lang="en-US" sz="1050" dirty="0" err="1">
-                <a:latin typeface="Courier"/>
-              </a:rPr>
-              <a:t>dir:working</a:t>
-            </a:r>
-            <a:r>
-              <a:rPr lang="en-US" sz="1050" dirty="0">
-                <a:latin typeface="Courier"/>
-              </a:rPr>
-              <a:t>}", </a:t>
-            </a:r>
-            <a:r>
-              <a:rPr lang="en-US" sz="1050" dirty="0" err="1">
-                <a:latin typeface="Courier"/>
-              </a:rPr>
-              <a:t>dirName</a:t>
-            </a:r>
-            <a:r>
-              <a:rPr lang="en-US" sz="1050" dirty="0">
-                <a:latin typeface="Courier"/>
-              </a:rPr>
-              <a:t>))</a:t>
-            </a:r>
-          </a:p>
-          <a:p>
-            <a:r>
-              <a:rPr lang="en-US" sz="1050" dirty="0">
-                <a:latin typeface="Courier"/>
-              </a:rPr>
-              <a:t>    except:</a:t>
-            </a:r>
-          </a:p>
-          <a:p>
-            <a:r>
-              <a:rPr lang="en-US" sz="1050" dirty="0">
-                <a:latin typeface="Courier"/>
-              </a:rPr>
-              <a:t>        print("An exception occurred")</a:t>
-            </a:r>
-          </a:p>
-          <a:p>
-            <a:endParaRPr lang="en-US" sz="1050" dirty="0">
-              <a:latin typeface="Courier"/>
-            </a:endParaRPr>
-          </a:p>
-          <a:p>
-            <a:endParaRPr lang="en-US" sz="1050" dirty="0">
-              <a:latin typeface="Courier"/>
-            </a:endParaRPr>
-          </a:p>
-          <a:p>
-            <a:r>
-              <a:rPr lang="en-US" sz="1050" dirty="0">
-                <a:latin typeface="Courier"/>
-              </a:rPr>
-              <a:t># Copy CPACS input from RCE to tool input directory:</a:t>
-            </a:r>
-          </a:p>
-          <a:p>
-            <a:endParaRPr lang="en-US" sz="1050" dirty="0">
-              <a:latin typeface="Courier"/>
-            </a:endParaRPr>
-          </a:p>
-          <a:p>
-            <a:r>
-              <a:rPr lang="en-US" sz="1050" dirty="0" err="1">
-                <a:latin typeface="Courier"/>
-              </a:rPr>
-              <a:t>fileName</a:t>
-            </a:r>
-            <a:r>
-              <a:rPr lang="en-US" sz="1050" dirty="0">
-                <a:latin typeface="Courier"/>
-              </a:rPr>
-              <a:t> = "CPACS_in.xml"</a:t>
-            </a:r>
-          </a:p>
-          <a:p>
-            <a:endParaRPr lang="en-US" sz="1050" dirty="0">
-              <a:latin typeface="Courier"/>
-            </a:endParaRPr>
-          </a:p>
-          <a:p>
-            <a:r>
-              <a:rPr lang="en-US" sz="1050" dirty="0" err="1">
-                <a:latin typeface="Courier"/>
-              </a:rPr>
-              <a:t>inputDir</a:t>
-            </a:r>
-            <a:r>
-              <a:rPr lang="en-US" sz="1050" dirty="0">
-                <a:latin typeface="Courier"/>
-              </a:rPr>
-              <a:t> = </a:t>
-            </a:r>
-            <a:r>
-              <a:rPr lang="en-US" sz="1050" dirty="0" err="1">
-                <a:latin typeface="Courier"/>
-              </a:rPr>
-              <a:t>os.path.join</a:t>
-            </a:r>
-            <a:r>
-              <a:rPr lang="en-US" sz="1050" dirty="0">
-                <a:latin typeface="Courier"/>
-              </a:rPr>
-              <a:t>("${</a:t>
-            </a:r>
-            <a:r>
-              <a:rPr lang="en-US" sz="1050" dirty="0" err="1">
-                <a:latin typeface="Courier"/>
-              </a:rPr>
-              <a:t>dir:working</a:t>
-            </a:r>
-            <a:r>
-              <a:rPr lang="en-US" sz="1050" dirty="0">
-                <a:latin typeface="Courier"/>
-              </a:rPr>
-              <a:t>}", </a:t>
-            </a:r>
-            <a:r>
-              <a:rPr lang="en-US" sz="1050" dirty="0" err="1">
-                <a:latin typeface="Courier"/>
-              </a:rPr>
-              <a:t>cpacsIOName</a:t>
-            </a:r>
-            <a:r>
-              <a:rPr lang="en-US" sz="1050" dirty="0">
-                <a:latin typeface="Courier"/>
-              </a:rPr>
-              <a:t>)</a:t>
-            </a:r>
-          </a:p>
-          <a:p>
-            <a:r>
-              <a:rPr lang="en-US" sz="1050" dirty="0" err="1">
-                <a:latin typeface="Courier"/>
-              </a:rPr>
-              <a:t>shutil.copyfile</a:t>
-            </a:r>
-            <a:r>
-              <a:rPr lang="en-US" sz="1050" dirty="0">
-                <a:latin typeface="Courier"/>
-              </a:rPr>
-              <a:t>("${</a:t>
-            </a:r>
-            <a:r>
-              <a:rPr lang="en-US" sz="1050" dirty="0" err="1">
-                <a:latin typeface="Courier"/>
-              </a:rPr>
-              <a:t>in:CPACS_in</a:t>
-            </a:r>
-            <a:r>
-              <a:rPr lang="en-US" sz="1050" dirty="0">
-                <a:latin typeface="Courier"/>
-              </a:rPr>
-              <a:t>}", </a:t>
-            </a:r>
-            <a:r>
-              <a:rPr lang="en-US" sz="1050" dirty="0" err="1">
-                <a:latin typeface="Courier"/>
-              </a:rPr>
-              <a:t>os.path.join</a:t>
-            </a:r>
-            <a:r>
-              <a:rPr lang="en-US" sz="1050" dirty="0">
-                <a:latin typeface="Courier"/>
-              </a:rPr>
-              <a:t>(</a:t>
-            </a:r>
-            <a:r>
-              <a:rPr lang="en-US" sz="1050" dirty="0" err="1">
-                <a:latin typeface="Courier"/>
-              </a:rPr>
-              <a:t>inputDir</a:t>
-            </a:r>
-            <a:r>
-              <a:rPr lang="en-US" sz="1050" dirty="0">
-                <a:latin typeface="Courier"/>
-              </a:rPr>
-              <a:t>, </a:t>
-            </a:r>
-            <a:r>
-              <a:rPr lang="en-US" sz="1050" dirty="0" err="1">
-                <a:latin typeface="Courier"/>
-              </a:rPr>
-              <a:t>fileName</a:t>
-            </a:r>
-            <a:r>
-              <a:rPr lang="en-US" sz="1050" dirty="0">
-                <a:latin typeface="Courier"/>
-              </a:rPr>
-              <a:t>))</a:t>
+              <a:t>}"\run.py</a:t>
             </a:r>
           </a:p>
         </p:txBody>
@@ -5924,7 +6842,7 @@
           <p:cNvPr id="2" name="Grafik 1">
             <a:extLst>
               <a:ext uri="{FF2B5EF4-FFF2-40B4-BE49-F238E27FC236}">
-                <a16:creationId xmlns:a16="http://schemas.microsoft.com/office/drawing/2014/main" id="{32F44614-6E4B-4FCD-B954-8E384BEF8823}"/>
+                <a16:creationId xmlns:a16="http://schemas.microsoft.com/office/drawing/2014/main" id="{69FA3636-9084-445F-BE0A-8DAE2E453726}"/>
               </a:ext>
             </a:extLst>
           </p:cNvPr>
@@ -5949,10 +6867,336 @@
           </a:prstGeom>
         </p:spPr>
       </p:pic>
+      <p:sp>
+        <p:nvSpPr>
+          <p:cNvPr id="4" name="Legende: mit gebogener Linie 3">
+            <a:extLst>
+              <a:ext uri="{FF2B5EF4-FFF2-40B4-BE49-F238E27FC236}">
+                <a16:creationId xmlns:a16="http://schemas.microsoft.com/office/drawing/2014/main" id="{2CFAB339-552F-49EE-9EA2-39E7E44C2DA0}"/>
+              </a:ext>
+            </a:extLst>
+          </p:cNvPr>
+          <p:cNvSpPr/>
+          <p:nvPr/>
+        </p:nvSpPr>
+        <p:spPr>
+          <a:xfrm flipH="1">
+            <a:off x="862642" y="1836074"/>
+            <a:ext cx="3535466" cy="587949"/>
+          </a:xfrm>
+          <a:prstGeom prst="borderCallout2">
+            <a:avLst>
+              <a:gd name="adj1" fmla="val 18750"/>
+              <a:gd name="adj2" fmla="val -8333"/>
+              <a:gd name="adj3" fmla="val 18750"/>
+              <a:gd name="adj4" fmla="val -16667"/>
+              <a:gd name="adj5" fmla="val -46597"/>
+              <a:gd name="adj6" fmla="val -34804"/>
+            </a:avLst>
+          </a:prstGeom>
+          <a:solidFill>
+            <a:schemeClr val="bg1"/>
+          </a:solidFill>
+          <a:ln>
+            <a:solidFill>
+              <a:schemeClr val="tx1">
+                <a:lumMod val="50000"/>
+                <a:lumOff val="50000"/>
+              </a:schemeClr>
+            </a:solidFill>
+          </a:ln>
+          <a:effectLst>
+            <a:outerShdw blurRad="50800" dist="38100" dir="2700000" algn="tl" rotWithShape="0">
+              <a:prstClr val="black">
+                <a:alpha val="40000"/>
+              </a:prstClr>
+            </a:outerShdw>
+          </a:effectLst>
+        </p:spPr>
+        <p:style>
+          <a:lnRef idx="2">
+            <a:schemeClr val="accent1">
+              <a:shade val="50000"/>
+            </a:schemeClr>
+          </a:lnRef>
+          <a:fillRef idx="1">
+            <a:schemeClr val="accent1"/>
+          </a:fillRef>
+          <a:effectRef idx="0">
+            <a:schemeClr val="accent1"/>
+          </a:effectRef>
+          <a:fontRef idx="minor">
+            <a:schemeClr val="lt1"/>
+          </a:fontRef>
+        </p:style>
+        <p:txBody>
+          <a:bodyPr rtlCol="0" anchor="ctr"/>
+          <a:lstStyle/>
+          <a:p>
+            <a:pPr marL="361950" indent="-361950"/>
+            <a:r>
+              <a:rPr lang="en-US" dirty="0">
+                <a:solidFill>
+                  <a:schemeClr val="tx1">
+                    <a:lumMod val="75000"/>
+                    <a:lumOff val="25000"/>
+                  </a:schemeClr>
+                </a:solidFill>
+              </a:rPr>
+              <a:t>(1) Specify execution commands for Windows and/or Linux</a:t>
+            </a:r>
+            <a:endParaRPr lang="de-DE" dirty="0">
+              <a:solidFill>
+                <a:schemeClr val="tx1">
+                  <a:lumMod val="75000"/>
+                  <a:lumOff val="25000"/>
+                </a:schemeClr>
+              </a:solidFill>
+            </a:endParaRPr>
+          </a:p>
+        </p:txBody>
+      </p:sp>
+      <p:sp>
+        <p:nvSpPr>
+          <p:cNvPr id="3" name="Textfeld 2">
+            <a:extLst>
+              <a:ext uri="{FF2B5EF4-FFF2-40B4-BE49-F238E27FC236}">
+                <a16:creationId xmlns:a16="http://schemas.microsoft.com/office/drawing/2014/main" id="{92FE064F-DD6F-4944-A19B-1E5FC7CC8B4A}"/>
+              </a:ext>
+            </a:extLst>
+          </p:cNvPr>
+          <p:cNvSpPr txBox="1"/>
+          <p:nvPr/>
+        </p:nvSpPr>
+        <p:spPr>
+          <a:xfrm>
+            <a:off x="862642" y="2720282"/>
+            <a:ext cx="3897774" cy="807922"/>
+          </a:xfrm>
+          <a:prstGeom prst="rect">
+            <a:avLst/>
+          </a:prstGeom>
+          <a:solidFill>
+            <a:schemeClr val="bg1"/>
+          </a:solidFill>
+          <a:ln>
+            <a:solidFill>
+              <a:schemeClr val="tx1">
+                <a:lumMod val="50000"/>
+                <a:lumOff val="50000"/>
+              </a:schemeClr>
+            </a:solidFill>
+          </a:ln>
+          <a:effectLst>
+            <a:outerShdw blurRad="50800" dist="38100" dir="2700000" algn="tl" rotWithShape="0">
+              <a:prstClr val="black">
+                <a:alpha val="40000"/>
+              </a:prstClr>
+            </a:outerShdw>
+          </a:effectLst>
+        </p:spPr>
+        <p:style>
+          <a:lnRef idx="2">
+            <a:schemeClr val="accent1">
+              <a:shade val="50000"/>
+            </a:schemeClr>
+          </a:lnRef>
+          <a:fillRef idx="1">
+            <a:schemeClr val="accent1"/>
+          </a:fillRef>
+          <a:effectRef idx="0">
+            <a:schemeClr val="accent1"/>
+          </a:effectRef>
+          <a:fontRef idx="minor">
+            <a:schemeClr val="lt1"/>
+          </a:fontRef>
+        </p:style>
+        <p:txBody>
+          <a:bodyPr rtlCol="0" anchor="ctr"/>
+          <a:lstStyle>
+            <a:defPPr>
+              <a:defRPr lang="de-DE"/>
+            </a:defPPr>
+            <a:lvl1pPr marL="361950" indent="-361950">
+              <a:defRPr>
+                <a:solidFill>
+                  <a:schemeClr val="tx1">
+                    <a:lumMod val="75000"/>
+                    <a:lumOff val="25000"/>
+                  </a:schemeClr>
+                </a:solidFill>
+              </a:defRPr>
+            </a:lvl1pPr>
+            <a:lvl2pPr>
+              <a:defRPr>
+                <a:solidFill>
+                  <a:schemeClr val="lt1"/>
+                </a:solidFill>
+              </a:defRPr>
+            </a:lvl2pPr>
+            <a:lvl3pPr>
+              <a:defRPr>
+                <a:solidFill>
+                  <a:schemeClr val="lt1"/>
+                </a:solidFill>
+              </a:defRPr>
+            </a:lvl3pPr>
+            <a:lvl4pPr>
+              <a:defRPr>
+                <a:solidFill>
+                  <a:schemeClr val="lt1"/>
+                </a:solidFill>
+              </a:defRPr>
+            </a:lvl4pPr>
+            <a:lvl5pPr>
+              <a:defRPr>
+                <a:solidFill>
+                  <a:schemeClr val="lt1"/>
+                </a:solidFill>
+              </a:defRPr>
+            </a:lvl5pPr>
+            <a:lvl6pPr>
+              <a:defRPr>
+                <a:solidFill>
+                  <a:schemeClr val="lt1"/>
+                </a:solidFill>
+              </a:defRPr>
+            </a:lvl6pPr>
+            <a:lvl7pPr>
+              <a:defRPr>
+                <a:solidFill>
+                  <a:schemeClr val="lt1"/>
+                </a:solidFill>
+              </a:defRPr>
+            </a:lvl7pPr>
+            <a:lvl8pPr>
+              <a:defRPr>
+                <a:solidFill>
+                  <a:schemeClr val="lt1"/>
+                </a:solidFill>
+              </a:defRPr>
+            </a:lvl8pPr>
+            <a:lvl9pPr>
+              <a:defRPr>
+                <a:solidFill>
+                  <a:schemeClr val="lt1"/>
+                </a:solidFill>
+              </a:defRPr>
+            </a:lvl9pPr>
+          </a:lstStyle>
+          <a:p>
+            <a:pPr marL="266700" indent="-266700"/>
+            <a:r>
+              <a:rPr lang="de-DE" dirty="0">
+                <a:solidFill>
+                  <a:schemeClr val="accent4">
+                    <a:lumMod val="75000"/>
+                  </a:schemeClr>
+                </a:solidFill>
+              </a:rPr>
+              <a:t>🛈 </a:t>
+            </a:r>
+            <a:r>
+              <a:rPr lang="en-US" sz="1600" dirty="0"/>
+              <a:t>This example is written in Python, so we need to activate the correct interpreter first.</a:t>
+            </a:r>
+            <a:endParaRPr lang="de-DE" dirty="0"/>
+          </a:p>
+        </p:txBody>
+      </p:sp>
+      <p:sp>
+        <p:nvSpPr>
+          <p:cNvPr id="7" name="Legende: mit gebogener Linie 6">
+            <a:extLst>
+              <a:ext uri="{FF2B5EF4-FFF2-40B4-BE49-F238E27FC236}">
+                <a16:creationId xmlns:a16="http://schemas.microsoft.com/office/drawing/2014/main" id="{E46D3D0A-F431-4119-A4FD-FEB511E0EB73}"/>
+              </a:ext>
+            </a:extLst>
+          </p:cNvPr>
+          <p:cNvSpPr/>
+          <p:nvPr/>
+        </p:nvSpPr>
+        <p:spPr>
+          <a:xfrm flipH="1">
+            <a:off x="886567" y="5033599"/>
+            <a:ext cx="3535466" cy="375163"/>
+          </a:xfrm>
+          <a:prstGeom prst="borderCallout2">
+            <a:avLst>
+              <a:gd name="adj1" fmla="val 18750"/>
+              <a:gd name="adj2" fmla="val -8333"/>
+              <a:gd name="adj3" fmla="val 18750"/>
+              <a:gd name="adj4" fmla="val -16667"/>
+              <a:gd name="adj5" fmla="val -69591"/>
+              <a:gd name="adj6" fmla="val -35292"/>
+            </a:avLst>
+          </a:prstGeom>
+          <a:solidFill>
+            <a:schemeClr val="bg1"/>
+          </a:solidFill>
+          <a:ln>
+            <a:solidFill>
+              <a:schemeClr val="tx1">
+                <a:lumMod val="50000"/>
+                <a:lumOff val="50000"/>
+              </a:schemeClr>
+            </a:solidFill>
+          </a:ln>
+          <a:effectLst>
+            <a:outerShdw blurRad="50800" dist="38100" dir="2700000" algn="tl" rotWithShape="0">
+              <a:prstClr val="black">
+                <a:alpha val="40000"/>
+              </a:prstClr>
+            </a:outerShdw>
+          </a:effectLst>
+        </p:spPr>
+        <p:style>
+          <a:lnRef idx="2">
+            <a:schemeClr val="accent1">
+              <a:shade val="50000"/>
+            </a:schemeClr>
+          </a:lnRef>
+          <a:fillRef idx="1">
+            <a:schemeClr val="accent1"/>
+          </a:fillRef>
+          <a:effectRef idx="0">
+            <a:schemeClr val="accent1"/>
+          </a:effectRef>
+          <a:fontRef idx="minor">
+            <a:schemeClr val="lt1"/>
+          </a:fontRef>
+        </p:style>
+        <p:txBody>
+          <a:bodyPr rtlCol="0" anchor="ctr"/>
+          <a:lstStyle/>
+          <a:p>
+            <a:pPr marL="361950" indent="-361950"/>
+            <a:r>
+              <a:rPr lang="en-US" dirty="0">
+                <a:solidFill>
+                  <a:schemeClr val="tx1">
+                    <a:lumMod val="75000"/>
+                    <a:lumOff val="25000"/>
+                  </a:schemeClr>
+                </a:solidFill>
+              </a:rPr>
+              <a:t>(2) Select “Working directory”</a:t>
+            </a:r>
+            <a:endParaRPr lang="de-DE" dirty="0">
+              <a:solidFill>
+                <a:schemeClr val="tx1">
+                  <a:lumMod val="75000"/>
+                  <a:lumOff val="25000"/>
+                </a:schemeClr>
+              </a:solidFill>
+            </a:endParaRPr>
+          </a:p>
+        </p:txBody>
+      </p:sp>
     </p:spTree>
     <p:extLst>
       <p:ext uri="{BB962C8B-B14F-4D97-AF65-F5344CB8AC3E}">
-        <p14:creationId xmlns:p14="http://schemas.microsoft.com/office/powerpoint/2010/main" val="2169688895"/>
+        <p14:creationId xmlns:p14="http://schemas.microsoft.com/office/powerpoint/2010/main" val="2384244233"/>
       </p:ext>
     </p:extLst>
   </p:cSld>
@@ -5984,7 +7228,7 @@
           <p:cNvPr id="5" name="Rechteck 4">
             <a:extLst>
               <a:ext uri="{FF2B5EF4-FFF2-40B4-BE49-F238E27FC236}">
-                <a16:creationId xmlns:a16="http://schemas.microsoft.com/office/drawing/2014/main" id="{2788D9EA-0446-4DD9-874F-043C100A8DD4}"/>
+                <a16:creationId xmlns:a16="http://schemas.microsoft.com/office/drawing/2014/main" id="{216A6DAA-F260-403C-B677-3F0A260680B2}"/>
               </a:ext>
             </a:extLst>
           </p:cNvPr>
@@ -5993,12 +7237,30 @@
         </p:nvSpPr>
         <p:spPr>
           <a:xfrm>
-            <a:off x="215900" y="897235"/>
-            <a:ext cx="4761542" cy="1061829"/>
+            <a:off x="152400" y="498545"/>
+            <a:ext cx="5003800" cy="3162404"/>
           </a:xfrm>
           <a:prstGeom prst="rect">
             <a:avLst/>
           </a:prstGeom>
+          <a:solidFill>
+            <a:schemeClr val="bg1"/>
+          </a:solidFill>
+          <a:ln>
+            <a:solidFill>
+              <a:schemeClr val="tx1">
+                <a:lumMod val="50000"/>
+                <a:lumOff val="50000"/>
+              </a:schemeClr>
+            </a:solidFill>
+          </a:ln>
+          <a:effectLst>
+            <a:outerShdw blurRad="63500" sx="102000" sy="102000" algn="ctr" rotWithShape="0">
+              <a:prstClr val="black">
+                <a:alpha val="40000"/>
+              </a:prstClr>
+            </a:outerShdw>
+          </a:effectLst>
         </p:spPr>
         <p:txBody>
           <a:bodyPr wrap="square">
@@ -6007,121 +7269,339 @@
           <a:lstStyle/>
           <a:p>
             <a:r>
-              <a:rPr lang="de-DE" sz="1050" dirty="0" err="1">
+              <a:rPr lang="en-US" sz="1050" dirty="0">
                 <a:latin typeface="Courier"/>
               </a:rPr>
-              <a:t>dirName</a:t>
-            </a:r>
-            <a:r>
-              <a:rPr lang="de-DE" sz="1050" dirty="0">
-                <a:latin typeface="Courier"/>
-              </a:rPr>
-              <a:t> = "</a:t>
-            </a:r>
-            <a:r>
-              <a:rPr lang="de-DE" sz="1050" dirty="0" err="1">
-                <a:latin typeface="Courier"/>
-              </a:rPr>
-              <a:t>cpacsIO</a:t>
-            </a:r>
-            <a:r>
-              <a:rPr lang="de-DE" sz="1050" dirty="0">
-                <a:latin typeface="Courier"/>
-              </a:rPr>
-              <a:t>"</a:t>
-            </a:r>
-          </a:p>
-          <a:p>
-            <a:r>
-              <a:rPr lang="de-DE" sz="1050" dirty="0" err="1">
-                <a:latin typeface="Courier"/>
-              </a:rPr>
-              <a:t>fileName</a:t>
-            </a:r>
-            <a:r>
-              <a:rPr lang="de-DE" sz="1050" dirty="0">
-                <a:latin typeface="Courier"/>
-              </a:rPr>
-              <a:t> = "CPACS_out.xml"</a:t>
-            </a:r>
-          </a:p>
-          <a:p>
-            <a:endParaRPr lang="de-DE" sz="1050" dirty="0">
+              <a:t># Create folder structure, if not already existing</a:t>
+            </a:r>
+          </a:p>
+          <a:p>
+            <a:endParaRPr lang="en-US" sz="1050" dirty="0">
               <a:latin typeface="Courier"/>
             </a:endParaRPr>
           </a:p>
           <a:p>
             <a:r>
-              <a:rPr lang="de-DE" sz="1050" dirty="0">
+              <a:rPr lang="en-US" sz="1050" dirty="0" err="1">
                 <a:latin typeface="Courier"/>
               </a:rPr>
-              <a:t>${</a:t>
-            </a:r>
-            <a:r>
-              <a:rPr lang="de-DE" sz="1050" dirty="0" err="1">
+              <a:t>inputDirName</a:t>
+            </a:r>
+            <a:r>
+              <a:rPr lang="en-US" sz="1050" dirty="0">
                 <a:latin typeface="Courier"/>
               </a:rPr>
-              <a:t>out:CPACS_out</a:t>
-            </a:r>
-            <a:r>
-              <a:rPr lang="de-DE" sz="1050" dirty="0">
+              <a:t> = "</a:t>
+            </a:r>
+            <a:r>
+              <a:rPr lang="en-US" sz="1050" dirty="0" err="1">
                 <a:latin typeface="Courier"/>
               </a:rPr>
-              <a:t>} = </a:t>
-            </a:r>
-            <a:r>
-              <a:rPr lang="de-DE" sz="1050" dirty="0" err="1">
+              <a:t>ToolInput</a:t>
+            </a:r>
+            <a:r>
+              <a:rPr lang="en-US" sz="1050" dirty="0">
                 <a:latin typeface="Courier"/>
               </a:rPr>
-              <a:t>os.path.join</a:t>
-            </a:r>
-            <a:r>
-              <a:rPr lang="de-DE" sz="1050" dirty="0">
+              <a:t>"</a:t>
+            </a:r>
+          </a:p>
+          <a:p>
+            <a:r>
+              <a:rPr lang="en-US" sz="1050" dirty="0" err="1">
                 <a:latin typeface="Courier"/>
               </a:rPr>
-              <a:t>("${</a:t>
-            </a:r>
-            <a:r>
-              <a:rPr lang="de-DE" sz="1050" dirty="0" err="1">
+              <a:t>outputDirName</a:t>
+            </a:r>
+            <a:r>
+              <a:rPr lang="en-US" sz="1050" dirty="0">
                 <a:latin typeface="Courier"/>
               </a:rPr>
-              <a:t>dir:working</a:t>
-            </a:r>
-            <a:r>
-              <a:rPr lang="de-DE" sz="1050" dirty="0">
+              <a:t> = "</a:t>
+            </a:r>
+            <a:r>
+              <a:rPr lang="en-US" sz="1050" dirty="0" err="1">
                 <a:latin typeface="Courier"/>
               </a:rPr>
-              <a:t>}", </a:t>
-            </a:r>
-            <a:r>
-              <a:rPr lang="de-DE" sz="1050" dirty="0" err="1">
+              <a:t>ToolOutput</a:t>
+            </a:r>
+            <a:r>
+              <a:rPr lang="en-US" sz="1050" dirty="0">
                 <a:latin typeface="Courier"/>
               </a:rPr>
-              <a:t>dirName</a:t>
-            </a:r>
-            <a:r>
-              <a:rPr lang="de-DE" sz="1050" dirty="0">
-                <a:latin typeface="Courier"/>
-              </a:rPr>
-              <a:t>, </a:t>
-            </a:r>
-            <a:r>
-              <a:rPr lang="de-DE" sz="1050" dirty="0" err="1">
-                <a:latin typeface="Courier"/>
-              </a:rPr>
-              <a:t>fileName</a:t>
-            </a:r>
-            <a:r>
-              <a:rPr lang="de-DE" sz="1050" dirty="0">
-                <a:latin typeface="Courier"/>
-              </a:rPr>
-              <a:t>)</a:t>
-            </a:r>
-          </a:p>
-          <a:p>
-            <a:endParaRPr lang="de-DE" sz="1050" dirty="0">
+              <a:t>"</a:t>
+            </a:r>
+          </a:p>
+          <a:p>
+            <a:endParaRPr lang="en-US" sz="1050" dirty="0">
               <a:latin typeface="Courier"/>
             </a:endParaRPr>
+          </a:p>
+          <a:p>
+            <a:r>
+              <a:rPr lang="en-US" sz="1050" dirty="0">
+                <a:latin typeface="Courier"/>
+              </a:rPr>
+              <a:t>for </a:t>
+            </a:r>
+            <a:r>
+              <a:rPr lang="en-US" sz="1050" dirty="0" err="1">
+                <a:latin typeface="Courier"/>
+              </a:rPr>
+              <a:t>dirName</a:t>
+            </a:r>
+            <a:r>
+              <a:rPr lang="en-US" sz="1050" dirty="0">
+                <a:latin typeface="Courier"/>
+              </a:rPr>
+              <a:t> in [</a:t>
+            </a:r>
+            <a:r>
+              <a:rPr lang="en-US" sz="1050" dirty="0" err="1">
+                <a:latin typeface="Courier"/>
+              </a:rPr>
+              <a:t>inputDirName,outputDirName</a:t>
+            </a:r>
+            <a:r>
+              <a:rPr lang="en-US" sz="1050" dirty="0">
+                <a:latin typeface="Courier"/>
+              </a:rPr>
+              <a:t>]:</a:t>
+            </a:r>
+          </a:p>
+          <a:p>
+            <a:r>
+              <a:rPr lang="en-US" sz="1050" dirty="0">
+                <a:latin typeface="Courier"/>
+              </a:rPr>
+              <a:t>    try:</a:t>
+            </a:r>
+          </a:p>
+          <a:p>
+            <a:r>
+              <a:rPr lang="en-US" sz="1050" dirty="0">
+                <a:latin typeface="Courier"/>
+              </a:rPr>
+              <a:t>        </a:t>
+            </a:r>
+            <a:r>
+              <a:rPr lang="en-US" sz="1050" dirty="0" err="1">
+                <a:latin typeface="Courier"/>
+              </a:rPr>
+              <a:t>os.mkdir</a:t>
+            </a:r>
+            <a:r>
+              <a:rPr lang="en-US" sz="1050" dirty="0">
+                <a:latin typeface="Courier"/>
+              </a:rPr>
+              <a:t>(</a:t>
+            </a:r>
+            <a:r>
+              <a:rPr lang="en-US" sz="1050" dirty="0" err="1">
+                <a:latin typeface="Courier"/>
+              </a:rPr>
+              <a:t>os.path.join</a:t>
+            </a:r>
+            <a:r>
+              <a:rPr lang="en-US" sz="1050" dirty="0">
+                <a:latin typeface="Courier"/>
+              </a:rPr>
+              <a:t>("${</a:t>
+            </a:r>
+            <a:r>
+              <a:rPr lang="en-US" sz="1050" dirty="0" err="1">
+                <a:latin typeface="Courier"/>
+              </a:rPr>
+              <a:t>dir:working</a:t>
+            </a:r>
+            <a:r>
+              <a:rPr lang="en-US" sz="1050" dirty="0">
+                <a:latin typeface="Courier"/>
+              </a:rPr>
+              <a:t>}", </a:t>
+            </a:r>
+            <a:r>
+              <a:rPr lang="en-US" sz="1050" dirty="0" err="1">
+                <a:latin typeface="Courier"/>
+              </a:rPr>
+              <a:t>dirName</a:t>
+            </a:r>
+            <a:r>
+              <a:rPr lang="en-US" sz="1050" dirty="0">
+                <a:latin typeface="Courier"/>
+              </a:rPr>
+              <a:t>))</a:t>
+            </a:r>
+          </a:p>
+          <a:p>
+            <a:r>
+              <a:rPr lang="en-US" sz="1050" dirty="0">
+                <a:latin typeface="Courier"/>
+              </a:rPr>
+              <a:t>    except:</a:t>
+            </a:r>
+          </a:p>
+          <a:p>
+            <a:r>
+              <a:rPr lang="en-US" sz="1050" dirty="0">
+                <a:latin typeface="Courier"/>
+              </a:rPr>
+              <a:t>        print("An exception occurred")</a:t>
+            </a:r>
+          </a:p>
+          <a:p>
+            <a:endParaRPr lang="en-US" sz="1050" dirty="0">
+              <a:latin typeface="Courier"/>
+            </a:endParaRPr>
+          </a:p>
+          <a:p>
+            <a:endParaRPr lang="en-US" sz="1050" dirty="0">
+              <a:latin typeface="Courier"/>
+            </a:endParaRPr>
+          </a:p>
+          <a:p>
+            <a:r>
+              <a:rPr lang="en-US" sz="1050" dirty="0">
+                <a:latin typeface="Courier"/>
+              </a:rPr>
+              <a:t># Copy CPACS input from RCE to tool input directory:</a:t>
+            </a:r>
+          </a:p>
+          <a:p>
+            <a:endParaRPr lang="en-US" sz="1050" dirty="0">
+              <a:latin typeface="Courier"/>
+            </a:endParaRPr>
+          </a:p>
+          <a:p>
+            <a:r>
+              <a:rPr lang="en-US" sz="1050" dirty="0" err="1">
+                <a:latin typeface="Courier"/>
+              </a:rPr>
+              <a:t>fileName</a:t>
+            </a:r>
+            <a:r>
+              <a:rPr lang="en-US" sz="1050" dirty="0">
+                <a:latin typeface="Courier"/>
+              </a:rPr>
+              <a:t> = "CPACS_in.xml"</a:t>
+            </a:r>
+          </a:p>
+          <a:p>
+            <a:endParaRPr lang="en-US" sz="1050" dirty="0">
+              <a:latin typeface="Courier"/>
+            </a:endParaRPr>
+          </a:p>
+          <a:p>
+            <a:r>
+              <a:rPr lang="en-US" sz="1050" dirty="0" err="1">
+                <a:latin typeface="Courier"/>
+              </a:rPr>
+              <a:t>inputDir</a:t>
+            </a:r>
+            <a:r>
+              <a:rPr lang="en-US" sz="1050" dirty="0">
+                <a:latin typeface="Courier"/>
+              </a:rPr>
+              <a:t> = </a:t>
+            </a:r>
+            <a:r>
+              <a:rPr lang="en-US" sz="1050" dirty="0" err="1">
+                <a:latin typeface="Courier"/>
+              </a:rPr>
+              <a:t>os.path.join</a:t>
+            </a:r>
+            <a:r>
+              <a:rPr lang="en-US" sz="1050" dirty="0">
+                <a:latin typeface="Courier"/>
+              </a:rPr>
+              <a:t>("${</a:t>
+            </a:r>
+            <a:r>
+              <a:rPr lang="en-US" sz="1050" dirty="0" err="1">
+                <a:latin typeface="Courier"/>
+              </a:rPr>
+              <a:t>dir:working</a:t>
+            </a:r>
+            <a:r>
+              <a:rPr lang="en-US" sz="1050" dirty="0">
+                <a:latin typeface="Courier"/>
+              </a:rPr>
+              <a:t>}", </a:t>
+            </a:r>
+            <a:r>
+              <a:rPr lang="en-US" sz="1050" dirty="0" err="1">
+                <a:latin typeface="Courier"/>
+              </a:rPr>
+              <a:t>inputDirName</a:t>
+            </a:r>
+            <a:r>
+              <a:rPr lang="en-US" sz="1050" dirty="0">
+                <a:latin typeface="Courier"/>
+              </a:rPr>
+              <a:t>)</a:t>
+            </a:r>
+          </a:p>
+          <a:p>
+            <a:r>
+              <a:rPr lang="en-US" sz="1050" dirty="0" err="1">
+                <a:latin typeface="Courier"/>
+              </a:rPr>
+              <a:t>shutil.copyfile</a:t>
+            </a:r>
+            <a:r>
+              <a:rPr lang="en-US" sz="1050" dirty="0">
+                <a:latin typeface="Courier"/>
+              </a:rPr>
+              <a:t>("${</a:t>
+            </a:r>
+            <a:r>
+              <a:rPr lang="en-US" sz="1050" dirty="0" err="1">
+                <a:latin typeface="Courier"/>
+              </a:rPr>
+              <a:t>in:CPACS</a:t>
+            </a:r>
+            <a:r>
+              <a:rPr lang="en-US" sz="1050" dirty="0">
+                <a:latin typeface="Courier"/>
+              </a:rPr>
+              <a:t> input}", </a:t>
+            </a:r>
+            <a:r>
+              <a:rPr lang="en-US" sz="1050" dirty="0" err="1">
+                <a:latin typeface="Courier"/>
+              </a:rPr>
+              <a:t>os.path.join</a:t>
+            </a:r>
+            <a:r>
+              <a:rPr lang="en-US" sz="1050" dirty="0">
+                <a:latin typeface="Courier"/>
+              </a:rPr>
+              <a:t>(</a:t>
+            </a:r>
+            <a:r>
+              <a:rPr lang="en-US" sz="1050" dirty="0" err="1">
+                <a:latin typeface="Courier"/>
+              </a:rPr>
+              <a:t>inputDir</a:t>
+            </a:r>
+            <a:r>
+              <a:rPr lang="en-US" sz="1050" dirty="0">
+                <a:latin typeface="Courier"/>
+              </a:rPr>
+              <a:t>, </a:t>
+            </a:r>
+            <a:r>
+              <a:rPr lang="en-US" sz="1050" dirty="0" err="1">
+                <a:latin typeface="Courier"/>
+              </a:rPr>
+              <a:t>fileName</a:t>
+            </a:r>
+            <a:r>
+              <a:rPr lang="en-US" sz="1050" dirty="0">
+                <a:latin typeface="Courier"/>
+              </a:rPr>
+              <a:t>))</a:t>
+            </a:r>
           </a:p>
         </p:txBody>
       </p:sp>
@@ -6130,7 +7610,7 @@
           <p:cNvPr id="2" name="Grafik 1">
             <a:extLst>
               <a:ext uri="{FF2B5EF4-FFF2-40B4-BE49-F238E27FC236}">
-                <a16:creationId xmlns:a16="http://schemas.microsoft.com/office/drawing/2014/main" id="{DC1BB6C3-10EE-4B98-A634-E4B9D3A08A55}"/>
+                <a16:creationId xmlns:a16="http://schemas.microsoft.com/office/drawing/2014/main" id="{32F44614-6E4B-4FCD-B954-8E384BEF8823}"/>
               </a:ext>
             </a:extLst>
           </p:cNvPr>
@@ -6155,10 +7635,247 @@
           </a:prstGeom>
         </p:spPr>
       </p:pic>
+      <p:sp>
+        <p:nvSpPr>
+          <p:cNvPr id="6" name="Textfeld 5">
+            <a:extLst>
+              <a:ext uri="{FF2B5EF4-FFF2-40B4-BE49-F238E27FC236}">
+                <a16:creationId xmlns:a16="http://schemas.microsoft.com/office/drawing/2014/main" id="{CD5E1710-9028-4774-8A1D-36853B3BF68C}"/>
+              </a:ext>
+            </a:extLst>
+          </p:cNvPr>
+          <p:cNvSpPr txBox="1"/>
+          <p:nvPr/>
+        </p:nvSpPr>
+        <p:spPr>
+          <a:xfrm>
+            <a:off x="152400" y="4896352"/>
+            <a:ext cx="3897774" cy="1032208"/>
+          </a:xfrm>
+          <a:prstGeom prst="rect">
+            <a:avLst/>
+          </a:prstGeom>
+          <a:solidFill>
+            <a:schemeClr val="bg1"/>
+          </a:solidFill>
+          <a:ln>
+            <a:solidFill>
+              <a:schemeClr val="tx1">
+                <a:lumMod val="50000"/>
+                <a:lumOff val="50000"/>
+              </a:schemeClr>
+            </a:solidFill>
+          </a:ln>
+          <a:effectLst>
+            <a:outerShdw blurRad="50800" dist="38100" dir="2700000" algn="tl" rotWithShape="0">
+              <a:prstClr val="black">
+                <a:alpha val="40000"/>
+              </a:prstClr>
+            </a:outerShdw>
+          </a:effectLst>
+        </p:spPr>
+        <p:style>
+          <a:lnRef idx="2">
+            <a:schemeClr val="accent1">
+              <a:shade val="50000"/>
+            </a:schemeClr>
+          </a:lnRef>
+          <a:fillRef idx="1">
+            <a:schemeClr val="accent1"/>
+          </a:fillRef>
+          <a:effectRef idx="0">
+            <a:schemeClr val="accent1"/>
+          </a:effectRef>
+          <a:fontRef idx="minor">
+            <a:schemeClr val="lt1"/>
+          </a:fontRef>
+        </p:style>
+        <p:txBody>
+          <a:bodyPr rtlCol="0" anchor="ctr"/>
+          <a:lstStyle>
+            <a:defPPr>
+              <a:defRPr lang="de-DE"/>
+            </a:defPPr>
+            <a:lvl1pPr marL="361950" indent="-361950">
+              <a:defRPr>
+                <a:solidFill>
+                  <a:schemeClr val="tx1">
+                    <a:lumMod val="75000"/>
+                    <a:lumOff val="25000"/>
+                  </a:schemeClr>
+                </a:solidFill>
+              </a:defRPr>
+            </a:lvl1pPr>
+            <a:lvl2pPr>
+              <a:defRPr>
+                <a:solidFill>
+                  <a:schemeClr val="lt1"/>
+                </a:solidFill>
+              </a:defRPr>
+            </a:lvl2pPr>
+            <a:lvl3pPr>
+              <a:defRPr>
+                <a:solidFill>
+                  <a:schemeClr val="lt1"/>
+                </a:solidFill>
+              </a:defRPr>
+            </a:lvl3pPr>
+            <a:lvl4pPr>
+              <a:defRPr>
+                <a:solidFill>
+                  <a:schemeClr val="lt1"/>
+                </a:solidFill>
+              </a:defRPr>
+            </a:lvl4pPr>
+            <a:lvl5pPr>
+              <a:defRPr>
+                <a:solidFill>
+                  <a:schemeClr val="lt1"/>
+                </a:solidFill>
+              </a:defRPr>
+            </a:lvl5pPr>
+            <a:lvl6pPr>
+              <a:defRPr>
+                <a:solidFill>
+                  <a:schemeClr val="lt1"/>
+                </a:solidFill>
+              </a:defRPr>
+            </a:lvl6pPr>
+            <a:lvl7pPr>
+              <a:defRPr>
+                <a:solidFill>
+                  <a:schemeClr val="lt1"/>
+                </a:solidFill>
+              </a:defRPr>
+            </a:lvl7pPr>
+            <a:lvl8pPr>
+              <a:defRPr>
+                <a:solidFill>
+                  <a:schemeClr val="lt1"/>
+                </a:solidFill>
+              </a:defRPr>
+            </a:lvl8pPr>
+            <a:lvl9pPr>
+              <a:defRPr>
+                <a:solidFill>
+                  <a:schemeClr val="lt1"/>
+                </a:solidFill>
+              </a:defRPr>
+            </a:lvl9pPr>
+          </a:lstStyle>
+          <a:p>
+            <a:pPr marL="266700" indent="-266700"/>
+            <a:r>
+              <a:rPr lang="de-DE" dirty="0">
+                <a:solidFill>
+                  <a:schemeClr val="accent4">
+                    <a:lumMod val="75000"/>
+                  </a:schemeClr>
+                </a:solidFill>
+              </a:rPr>
+              <a:t>🛈 </a:t>
+            </a:r>
+            <a:r>
+              <a:rPr lang="en-US" sz="1600" dirty="0"/>
+              <a:t>Pre-execution: What happens before the actual tool is activated. Use this to create the required folder structure, if necessary, and copy the input file into it.</a:t>
+            </a:r>
+            <a:endParaRPr lang="de-DE" dirty="0"/>
+          </a:p>
+        </p:txBody>
+      </p:sp>
+      <p:sp>
+        <p:nvSpPr>
+          <p:cNvPr id="7" name="Legende: mit gebogener Linie 6">
+            <a:extLst>
+              <a:ext uri="{FF2B5EF4-FFF2-40B4-BE49-F238E27FC236}">
+                <a16:creationId xmlns:a16="http://schemas.microsoft.com/office/drawing/2014/main" id="{92210DEA-AC9F-410C-9A4A-8DCEA0E30FB4}"/>
+              </a:ext>
+            </a:extLst>
+          </p:cNvPr>
+          <p:cNvSpPr/>
+          <p:nvPr/>
+        </p:nvSpPr>
+        <p:spPr>
+          <a:xfrm flipH="1">
+            <a:off x="2724763" y="3986833"/>
+            <a:ext cx="2431437" cy="583635"/>
+          </a:xfrm>
+          <a:prstGeom prst="borderCallout2">
+            <a:avLst>
+              <a:gd name="adj1" fmla="val 18750"/>
+              <a:gd name="adj2" fmla="val -8333"/>
+              <a:gd name="adj3" fmla="val 18750"/>
+              <a:gd name="adj4" fmla="val -16667"/>
+              <a:gd name="adj5" fmla="val -89505"/>
+              <a:gd name="adj6" fmla="val -71297"/>
+            </a:avLst>
+          </a:prstGeom>
+          <a:solidFill>
+            <a:schemeClr val="bg1"/>
+          </a:solidFill>
+          <a:ln>
+            <a:solidFill>
+              <a:schemeClr val="tx1">
+                <a:lumMod val="50000"/>
+                <a:lumOff val="50000"/>
+              </a:schemeClr>
+            </a:solidFill>
+          </a:ln>
+          <a:effectLst>
+            <a:outerShdw blurRad="50800" dist="38100" dir="2700000" algn="tl" rotWithShape="0">
+              <a:prstClr val="black">
+                <a:alpha val="40000"/>
+              </a:prstClr>
+            </a:outerShdw>
+          </a:effectLst>
+        </p:spPr>
+        <p:style>
+          <a:lnRef idx="2">
+            <a:schemeClr val="accent1">
+              <a:shade val="50000"/>
+            </a:schemeClr>
+          </a:lnRef>
+          <a:fillRef idx="1">
+            <a:schemeClr val="accent1"/>
+          </a:fillRef>
+          <a:effectRef idx="0">
+            <a:schemeClr val="accent1"/>
+          </a:effectRef>
+          <a:fontRef idx="minor">
+            <a:schemeClr val="lt1"/>
+          </a:fontRef>
+        </p:style>
+        <p:txBody>
+          <a:bodyPr rtlCol="0" anchor="ctr"/>
+          <a:lstStyle/>
+          <a:p>
+            <a:pPr marL="361950" indent="-361950"/>
+            <a:r>
+              <a:rPr lang="en-US" dirty="0">
+                <a:solidFill>
+                  <a:schemeClr val="tx1">
+                    <a:lumMod val="75000"/>
+                    <a:lumOff val="25000"/>
+                  </a:schemeClr>
+                </a:solidFill>
+              </a:rPr>
+              <a:t>(1) Insert pre-execution script in Python</a:t>
+            </a:r>
+            <a:endParaRPr lang="de-DE" dirty="0">
+              <a:solidFill>
+                <a:schemeClr val="tx1">
+                  <a:lumMod val="75000"/>
+                  <a:lumOff val="25000"/>
+                </a:schemeClr>
+              </a:solidFill>
+            </a:endParaRPr>
+          </a:p>
+        </p:txBody>
+      </p:sp>
     </p:spTree>
     <p:extLst>
       <p:ext uri="{BB962C8B-B14F-4D97-AF65-F5344CB8AC3E}">
-        <p14:creationId xmlns:p14="http://schemas.microsoft.com/office/powerpoint/2010/main" val="4043790863"/>
+        <p14:creationId xmlns:p14="http://schemas.microsoft.com/office/powerpoint/2010/main" val="2169688895"/>
       </p:ext>
     </p:extLst>
   </p:cSld>

--- a/ToolIntegration/dummyTools/wingModifier/documentation/toolIntegrationSettings.pptx
+++ b/ToolIntegration/dummyTools/wingModifier/documentation/toolIntegrationSettings.pptx
@@ -268,7 +268,7 @@
           <a:p>
             <a:fld id="{36A4E025-831E-442E-925A-CBB4133DCC51}" type="datetimeFigureOut">
               <a:rPr lang="de-DE" smtClean="0"/>
-              <a:t>01.06.2023</a:t>
+              <a:t>25.02.2024</a:t>
             </a:fld>
             <a:endParaRPr lang="de-DE"/>
           </a:p>
@@ -466,7 +466,7 @@
           <a:p>
             <a:fld id="{36A4E025-831E-442E-925A-CBB4133DCC51}" type="datetimeFigureOut">
               <a:rPr lang="de-DE" smtClean="0"/>
-              <a:t>01.06.2023</a:t>
+              <a:t>25.02.2024</a:t>
             </a:fld>
             <a:endParaRPr lang="de-DE"/>
           </a:p>
@@ -674,7 +674,7 @@
           <a:p>
             <a:fld id="{36A4E025-831E-442E-925A-CBB4133DCC51}" type="datetimeFigureOut">
               <a:rPr lang="de-DE" smtClean="0"/>
-              <a:t>01.06.2023</a:t>
+              <a:t>25.02.2024</a:t>
             </a:fld>
             <a:endParaRPr lang="de-DE"/>
           </a:p>
@@ -872,7 +872,7 @@
           <a:p>
             <a:fld id="{36A4E025-831E-442E-925A-CBB4133DCC51}" type="datetimeFigureOut">
               <a:rPr lang="de-DE" smtClean="0"/>
-              <a:t>01.06.2023</a:t>
+              <a:t>25.02.2024</a:t>
             </a:fld>
             <a:endParaRPr lang="de-DE"/>
           </a:p>
@@ -1147,7 +1147,7 @@
           <a:p>
             <a:fld id="{36A4E025-831E-442E-925A-CBB4133DCC51}" type="datetimeFigureOut">
               <a:rPr lang="de-DE" smtClean="0"/>
-              <a:t>01.06.2023</a:t>
+              <a:t>25.02.2024</a:t>
             </a:fld>
             <a:endParaRPr lang="de-DE"/>
           </a:p>
@@ -1412,7 +1412,7 @@
           <a:p>
             <a:fld id="{36A4E025-831E-442E-925A-CBB4133DCC51}" type="datetimeFigureOut">
               <a:rPr lang="de-DE" smtClean="0"/>
-              <a:t>01.06.2023</a:t>
+              <a:t>25.02.2024</a:t>
             </a:fld>
             <a:endParaRPr lang="de-DE"/>
           </a:p>
@@ -1824,7 +1824,7 @@
           <a:p>
             <a:fld id="{36A4E025-831E-442E-925A-CBB4133DCC51}" type="datetimeFigureOut">
               <a:rPr lang="de-DE" smtClean="0"/>
-              <a:t>01.06.2023</a:t>
+              <a:t>25.02.2024</a:t>
             </a:fld>
             <a:endParaRPr lang="de-DE"/>
           </a:p>
@@ -1965,7 +1965,7 @@
           <a:p>
             <a:fld id="{36A4E025-831E-442E-925A-CBB4133DCC51}" type="datetimeFigureOut">
               <a:rPr lang="de-DE" smtClean="0"/>
-              <a:t>01.06.2023</a:t>
+              <a:t>25.02.2024</a:t>
             </a:fld>
             <a:endParaRPr lang="de-DE"/>
           </a:p>
@@ -2078,7 +2078,7 @@
           <a:p>
             <a:fld id="{36A4E025-831E-442E-925A-CBB4133DCC51}" type="datetimeFigureOut">
               <a:rPr lang="de-DE" smtClean="0"/>
-              <a:t>01.06.2023</a:t>
+              <a:t>25.02.2024</a:t>
             </a:fld>
             <a:endParaRPr lang="de-DE"/>
           </a:p>
@@ -2389,7 +2389,7 @@
           <a:p>
             <a:fld id="{36A4E025-831E-442E-925A-CBB4133DCC51}" type="datetimeFigureOut">
               <a:rPr lang="de-DE" smtClean="0"/>
-              <a:t>01.06.2023</a:t>
+              <a:t>25.02.2024</a:t>
             </a:fld>
             <a:endParaRPr lang="de-DE"/>
           </a:p>
@@ -2677,7 +2677,7 @@
           <a:p>
             <a:fld id="{36A4E025-831E-442E-925A-CBB4133DCC51}" type="datetimeFigureOut">
               <a:rPr lang="de-DE" smtClean="0"/>
-              <a:t>01.06.2023</a:t>
+              <a:t>25.02.2024</a:t>
             </a:fld>
             <a:endParaRPr lang="de-DE"/>
           </a:p>
@@ -2918,7 +2918,7 @@
           <a:p>
             <a:fld id="{36A4E025-831E-442E-925A-CBB4133DCC51}" type="datetimeFigureOut">
               <a:rPr lang="de-DE" smtClean="0"/>
-              <a:t>01.06.2023</a:t>
+              <a:t>25.02.2024</a:t>
             </a:fld>
             <a:endParaRPr lang="de-DE"/>
           </a:p>
@@ -3488,182 +3488,6 @@
           <a:chExt cx="0" cy="0"/>
         </a:xfrm>
       </p:grpSpPr>
-      <p:sp>
-        <p:nvSpPr>
-          <p:cNvPr id="5" name="Rechteck 4">
-            <a:extLst>
-              <a:ext uri="{FF2B5EF4-FFF2-40B4-BE49-F238E27FC236}">
-                <a16:creationId xmlns:a16="http://schemas.microsoft.com/office/drawing/2014/main" id="{2788D9EA-0446-4DD9-874F-043C100A8DD4}"/>
-              </a:ext>
-            </a:extLst>
-          </p:cNvPr>
-          <p:cNvSpPr/>
-          <p:nvPr/>
-        </p:nvSpPr>
-        <p:spPr>
-          <a:xfrm>
-            <a:off x="215900" y="897235"/>
-            <a:ext cx="4761542" cy="1061829"/>
-          </a:xfrm>
-          <a:prstGeom prst="rect">
-            <a:avLst/>
-          </a:prstGeom>
-          <a:solidFill>
-            <a:schemeClr val="bg1"/>
-          </a:solidFill>
-          <a:ln>
-            <a:solidFill>
-              <a:schemeClr val="tx1">
-                <a:lumMod val="50000"/>
-                <a:lumOff val="50000"/>
-              </a:schemeClr>
-            </a:solidFill>
-          </a:ln>
-          <a:effectLst>
-            <a:outerShdw blurRad="63500" sx="102000" sy="102000" algn="ctr" rotWithShape="0">
-              <a:prstClr val="black">
-                <a:alpha val="40000"/>
-              </a:prstClr>
-            </a:outerShdw>
-          </a:effectLst>
-        </p:spPr>
-        <p:txBody>
-          <a:bodyPr wrap="square">
-            <a:spAutoFit/>
-          </a:bodyPr>
-          <a:lstStyle/>
-          <a:p>
-            <a:r>
-              <a:rPr lang="de-DE" sz="1050" dirty="0" err="1">
-                <a:latin typeface="Courier"/>
-              </a:rPr>
-              <a:t>dirName</a:t>
-            </a:r>
-            <a:r>
-              <a:rPr lang="de-DE" sz="1050" dirty="0">
-                <a:latin typeface="Courier"/>
-              </a:rPr>
-              <a:t> = "</a:t>
-            </a:r>
-            <a:r>
-              <a:rPr lang="de-DE" sz="1050" dirty="0" err="1">
-                <a:latin typeface="Courier"/>
-              </a:rPr>
-              <a:t>ToolOutput</a:t>
-            </a:r>
-            <a:r>
-              <a:rPr lang="de-DE" sz="1050" dirty="0">
-                <a:latin typeface="Courier"/>
-              </a:rPr>
-              <a:t>"</a:t>
-            </a:r>
-          </a:p>
-          <a:p>
-            <a:r>
-              <a:rPr lang="de-DE" sz="1050" dirty="0" err="1">
-                <a:latin typeface="Courier"/>
-              </a:rPr>
-              <a:t>fileName</a:t>
-            </a:r>
-            <a:r>
-              <a:rPr lang="de-DE" sz="1050" dirty="0">
-                <a:latin typeface="Courier"/>
-              </a:rPr>
-              <a:t> = "CPACS_out.xml"</a:t>
-            </a:r>
-          </a:p>
-          <a:p>
-            <a:endParaRPr lang="de-DE" sz="1050" dirty="0">
-              <a:latin typeface="Courier"/>
-            </a:endParaRPr>
-          </a:p>
-          <a:p>
-            <a:r>
-              <a:rPr lang="de-DE" sz="1050" dirty="0">
-                <a:latin typeface="Courier"/>
-              </a:rPr>
-              <a:t>${</a:t>
-            </a:r>
-            <a:r>
-              <a:rPr lang="de-DE" sz="1050" dirty="0" err="1">
-                <a:latin typeface="Courier"/>
-              </a:rPr>
-              <a:t>out:CPACS</a:t>
-            </a:r>
-            <a:r>
-              <a:rPr lang="de-DE" sz="1050" dirty="0">
-                <a:latin typeface="Courier"/>
-              </a:rPr>
-              <a:t> </a:t>
-            </a:r>
-            <a:r>
-              <a:rPr lang="de-DE" sz="1050" dirty="0" err="1">
-                <a:latin typeface="Courier"/>
-              </a:rPr>
-              <a:t>output</a:t>
-            </a:r>
-            <a:r>
-              <a:rPr lang="de-DE" sz="1050" dirty="0">
-                <a:latin typeface="Courier"/>
-              </a:rPr>
-              <a:t>} = </a:t>
-            </a:r>
-            <a:r>
-              <a:rPr lang="de-DE" sz="1050" dirty="0" err="1">
-                <a:latin typeface="Courier"/>
-              </a:rPr>
-              <a:t>os.path.join</a:t>
-            </a:r>
-            <a:r>
-              <a:rPr lang="de-DE" sz="1050" dirty="0">
-                <a:latin typeface="Courier"/>
-              </a:rPr>
-              <a:t>("${</a:t>
-            </a:r>
-            <a:r>
-              <a:rPr lang="de-DE" sz="1050" dirty="0" err="1">
-                <a:latin typeface="Courier"/>
-              </a:rPr>
-              <a:t>dir:working</a:t>
-            </a:r>
-            <a:r>
-              <a:rPr lang="de-DE" sz="1050" dirty="0">
-                <a:latin typeface="Courier"/>
-              </a:rPr>
-              <a:t>}", </a:t>
-            </a:r>
-            <a:r>
-              <a:rPr lang="de-DE" sz="1050" dirty="0" err="1">
-                <a:latin typeface="Courier"/>
-              </a:rPr>
-              <a:t>dirName</a:t>
-            </a:r>
-            <a:r>
-              <a:rPr lang="de-DE" sz="1050" dirty="0">
-                <a:latin typeface="Courier"/>
-              </a:rPr>
-              <a:t>, </a:t>
-            </a:r>
-            <a:r>
-              <a:rPr lang="de-DE" sz="1050" dirty="0" err="1">
-                <a:latin typeface="Courier"/>
-              </a:rPr>
-              <a:t>fileName</a:t>
-            </a:r>
-            <a:r>
-              <a:rPr lang="de-DE" sz="1050" dirty="0">
-                <a:latin typeface="Courier"/>
-              </a:rPr>
-              <a:t>)</a:t>
-            </a:r>
-          </a:p>
-          <a:p>
-            <a:endParaRPr lang="de-DE" sz="1050" dirty="0" err="1">
-              <a:latin typeface="Courier"/>
-            </a:endParaRPr>
-          </a:p>
-        </p:txBody>
-      </p:sp>
       <p:pic>
         <p:nvPicPr>
           <p:cNvPr id="2" name="Grafik 1">
@@ -3679,7 +3503,13 @@
           <p:nvPr/>
         </p:nvPicPr>
         <p:blipFill>
-          <a:blip r:embed="rId2"/>
+          <a:blip r:embed="rId2">
+            <a:extLst>
+              <a:ext uri="{28A0092B-C50C-407E-A947-70E740481C1C}">
+                <a14:useLocalDpi xmlns:a14="http://schemas.microsoft.com/office/drawing/2010/main" val="0"/>
+              </a:ext>
+            </a:extLst>
+          </a:blip>
           <a:stretch>
             <a:fillRect/>
           </a:stretch>
@@ -3687,7 +3517,7 @@
         <p:spPr>
           <a:xfrm>
             <a:off x="5488419" y="0"/>
-            <a:ext cx="6703581" cy="6858000"/>
+            <a:ext cx="6703581" cy="6857999"/>
           </a:xfrm>
           <a:prstGeom prst="rect">
             <a:avLst/>
@@ -3708,8 +3538,8 @@
         </p:nvSpPr>
         <p:spPr>
           <a:xfrm>
-            <a:off x="215900" y="2363638"/>
-            <a:ext cx="3897774" cy="890734"/>
+            <a:off x="215899" y="595223"/>
+            <a:ext cx="4940299" cy="1457864"/>
           </a:xfrm>
           <a:prstGeom prst="rect">
             <a:avLst/>
@@ -3836,7 +3666,7 @@
             </a:r>
             <a:r>
               <a:rPr lang="en-US" sz="1600" dirty="0"/>
-              <a:t>Post-execution: What happens after the actual tool has finished. Here we’re telling RCE where to find the output file.</a:t>
+              <a:t>Post-execution: What happens after the actual tool has finished. Here we're telling RCE where to find the output file. In this example the tool is not copied, it is run locally. So we clean up the input file to avoid any confusion when the workflow is run again.</a:t>
             </a:r>
             <a:endParaRPr lang="de-DE" dirty="0"/>
           </a:p>
@@ -4020,6 +3850,195 @@
           </a:p>
         </p:txBody>
       </p:sp>
+      <p:sp>
+        <p:nvSpPr>
+          <p:cNvPr id="5" name="Rechteck 4">
+            <a:extLst>
+              <a:ext uri="{FF2B5EF4-FFF2-40B4-BE49-F238E27FC236}">
+                <a16:creationId xmlns:a16="http://schemas.microsoft.com/office/drawing/2014/main" id="{2788D9EA-0446-4DD9-874F-043C100A8DD4}"/>
+              </a:ext>
+            </a:extLst>
+          </p:cNvPr>
+          <p:cNvSpPr/>
+          <p:nvPr/>
+        </p:nvSpPr>
+        <p:spPr>
+          <a:xfrm>
+            <a:off x="215900" y="2524831"/>
+            <a:ext cx="6124515" cy="738664"/>
+          </a:xfrm>
+          <a:prstGeom prst="rect">
+            <a:avLst/>
+          </a:prstGeom>
+          <a:solidFill>
+            <a:schemeClr val="bg1"/>
+          </a:solidFill>
+          <a:ln>
+            <a:solidFill>
+              <a:schemeClr val="tx1">
+                <a:lumMod val="50000"/>
+                <a:lumOff val="50000"/>
+              </a:schemeClr>
+            </a:solidFill>
+          </a:ln>
+          <a:effectLst>
+            <a:outerShdw blurRad="63500" sx="102000" sy="102000" algn="ctr" rotWithShape="0">
+              <a:prstClr val="black">
+                <a:alpha val="40000"/>
+              </a:prstClr>
+            </a:outerShdw>
+          </a:effectLst>
+        </p:spPr>
+        <p:txBody>
+          <a:bodyPr wrap="square">
+            <a:spAutoFit/>
+          </a:bodyPr>
+          <a:lstStyle/>
+          <a:p>
+            <a:r>
+              <a:rPr lang="de-DE" sz="1050" dirty="0">
+                <a:latin typeface="Courier"/>
+              </a:rPr>
+              <a:t>${</a:t>
+            </a:r>
+            <a:r>
+              <a:rPr lang="de-DE" sz="1050" dirty="0" err="1">
+                <a:latin typeface="Courier"/>
+              </a:rPr>
+              <a:t>out:CPACS_out</a:t>
+            </a:r>
+            <a:r>
+              <a:rPr lang="de-DE" sz="1050" dirty="0">
+                <a:latin typeface="Courier"/>
+              </a:rPr>
+              <a:t>} = </a:t>
+            </a:r>
+            <a:r>
+              <a:rPr lang="de-DE" sz="1050" dirty="0" err="1">
+                <a:latin typeface="Courier"/>
+              </a:rPr>
+              <a:t>os.path.join</a:t>
+            </a:r>
+            <a:r>
+              <a:rPr lang="de-DE" sz="1050" dirty="0">
+                <a:latin typeface="Courier"/>
+              </a:rPr>
+              <a:t>("${</a:t>
+            </a:r>
+            <a:r>
+              <a:rPr lang="de-DE" sz="1050" dirty="0" err="1">
+                <a:latin typeface="Courier"/>
+              </a:rPr>
+              <a:t>dir:tool</a:t>
+            </a:r>
+            <a:r>
+              <a:rPr lang="de-DE" sz="1050" dirty="0">
+                <a:latin typeface="Courier"/>
+              </a:rPr>
+              <a:t>}", "</a:t>
+            </a:r>
+            <a:r>
+              <a:rPr lang="de-DE" sz="1050" dirty="0" err="1">
+                <a:latin typeface="Courier"/>
+              </a:rPr>
+              <a:t>ToolOutput</a:t>
+            </a:r>
+            <a:r>
+              <a:rPr lang="de-DE" sz="1050" dirty="0">
+                <a:latin typeface="Courier"/>
+              </a:rPr>
+              <a:t>/CPACS_out.xml")</a:t>
+            </a:r>
+          </a:p>
+          <a:p>
+            <a:endParaRPr lang="de-DE" sz="1050" dirty="0">
+              <a:latin typeface="Courier"/>
+            </a:endParaRPr>
+          </a:p>
+          <a:p>
+            <a:r>
+              <a:rPr lang="de-DE" sz="1050" dirty="0">
+                <a:latin typeface="Courier"/>
+              </a:rPr>
+              <a:t># </a:t>
+            </a:r>
+            <a:r>
+              <a:rPr lang="de-DE" sz="1050" dirty="0" err="1">
+                <a:latin typeface="Courier"/>
+              </a:rPr>
+              <a:t>Cleaning</a:t>
+            </a:r>
+            <a:r>
+              <a:rPr lang="de-DE" sz="1050" dirty="0">
+                <a:latin typeface="Courier"/>
+              </a:rPr>
+              <a:t> </a:t>
+            </a:r>
+            <a:r>
+              <a:rPr lang="de-DE" sz="1050" dirty="0" err="1">
+                <a:latin typeface="Courier"/>
+              </a:rPr>
+              <a:t>up</a:t>
+            </a:r>
+            <a:r>
+              <a:rPr lang="de-DE" sz="1050" dirty="0">
+                <a:latin typeface="Courier"/>
+              </a:rPr>
+              <a:t>:</a:t>
+            </a:r>
+          </a:p>
+          <a:p>
+            <a:r>
+              <a:rPr lang="de-DE" sz="1050" dirty="0" err="1">
+                <a:latin typeface="Courier"/>
+              </a:rPr>
+              <a:t>os.remove</a:t>
+            </a:r>
+            <a:r>
+              <a:rPr lang="de-DE" sz="1050" dirty="0">
+                <a:latin typeface="Courier"/>
+              </a:rPr>
+              <a:t>(</a:t>
+            </a:r>
+            <a:r>
+              <a:rPr lang="de-DE" sz="1050" dirty="0" err="1">
+                <a:latin typeface="Courier"/>
+              </a:rPr>
+              <a:t>os.path.join</a:t>
+            </a:r>
+            <a:r>
+              <a:rPr lang="de-DE" sz="1050" dirty="0">
+                <a:latin typeface="Courier"/>
+              </a:rPr>
+              <a:t>("${</a:t>
+            </a:r>
+            <a:r>
+              <a:rPr lang="de-DE" sz="1050" dirty="0" err="1">
+                <a:latin typeface="Courier"/>
+              </a:rPr>
+              <a:t>dir:tool</a:t>
+            </a:r>
+            <a:r>
+              <a:rPr lang="de-DE" sz="1050" dirty="0">
+                <a:latin typeface="Courier"/>
+              </a:rPr>
+              <a:t>}", "</a:t>
+            </a:r>
+            <a:r>
+              <a:rPr lang="de-DE" sz="1050" dirty="0" err="1">
+                <a:latin typeface="Courier"/>
+              </a:rPr>
+              <a:t>ToolInput</a:t>
+            </a:r>
+            <a:r>
+              <a:rPr lang="de-DE" sz="1050" dirty="0">
+                <a:latin typeface="Courier"/>
+              </a:rPr>
+              <a:t>/CPACS_in.xml"))</a:t>
+            </a:r>
+          </a:p>
+        </p:txBody>
+      </p:sp>
     </p:spTree>
     <p:extLst>
       <p:ext uri="{BB962C8B-B14F-4D97-AF65-F5344CB8AC3E}">
@@ -4317,7 +4336,7 @@
         <p:spPr>
           <a:xfrm>
             <a:off x="2744209" y="0"/>
-            <a:ext cx="6703581" cy="6857999"/>
+            <a:ext cx="6703580" cy="6857999"/>
           </a:xfrm>
           <a:prstGeom prst="rect">
             <a:avLst/>
@@ -6043,7 +6062,13 @@
           <p:nvPr/>
         </p:nvPicPr>
         <p:blipFill>
-          <a:blip r:embed="rId2"/>
+          <a:blip r:embed="rId2">
+            <a:extLst>
+              <a:ext uri="{28A0092B-C50C-407E-A947-70E740481C1C}">
+                <a14:useLocalDpi xmlns:a14="http://schemas.microsoft.com/office/drawing/2010/main" val="0"/>
+              </a:ext>
+            </a:extLst>
+          </a:blip>
           <a:stretch>
             <a:fillRect/>
           </a:stretch>
@@ -6051,7 +6076,7 @@
         <p:spPr>
           <a:xfrm>
             <a:off x="2744209" y="0"/>
-            <a:ext cx="6703581" cy="6858000"/>
+            <a:ext cx="6703581" cy="6857999"/>
           </a:xfrm>
           <a:prstGeom prst="rect">
             <a:avLst/>
@@ -6748,95 +6773,6 @@
           <a:chExt cx="0" cy="0"/>
         </a:xfrm>
       </p:grpSpPr>
-      <p:sp>
-        <p:nvSpPr>
-          <p:cNvPr id="5" name="Rechteck 4">
-            <a:extLst>
-              <a:ext uri="{FF2B5EF4-FFF2-40B4-BE49-F238E27FC236}">
-                <a16:creationId xmlns:a16="http://schemas.microsoft.com/office/drawing/2014/main" id="{B4ACF704-C2EF-43B2-8B68-3529E747FB45}"/>
-              </a:ext>
-            </a:extLst>
-          </p:cNvPr>
-          <p:cNvSpPr/>
-          <p:nvPr/>
-        </p:nvSpPr>
-        <p:spPr>
-          <a:xfrm>
-            <a:off x="228600" y="536138"/>
-            <a:ext cx="4851400" cy="646331"/>
-          </a:xfrm>
-          <a:prstGeom prst="rect">
-            <a:avLst/>
-          </a:prstGeom>
-          <a:solidFill>
-            <a:schemeClr val="bg1"/>
-          </a:solidFill>
-          <a:ln>
-            <a:solidFill>
-              <a:schemeClr val="tx1">
-                <a:lumMod val="50000"/>
-                <a:lumOff val="50000"/>
-              </a:schemeClr>
-            </a:solidFill>
-          </a:ln>
-          <a:effectLst>
-            <a:outerShdw blurRad="63500" sx="102000" sy="102000" algn="ctr" rotWithShape="0">
-              <a:prstClr val="black">
-                <a:alpha val="40000"/>
-              </a:prstClr>
-            </a:outerShdw>
-          </a:effectLst>
-        </p:spPr>
-        <p:txBody>
-          <a:bodyPr wrap="square">
-            <a:spAutoFit/>
-          </a:bodyPr>
-          <a:lstStyle/>
-          <a:p>
-            <a:r>
-              <a:rPr lang="de-DE" sz="1200" dirty="0">
-                <a:latin typeface="Courier"/>
-              </a:rPr>
-              <a:t>C:\ProgramData\mambaforge\Scripts\activate.bat </a:t>
-            </a:r>
-            <a:r>
-              <a:rPr lang="de-DE" sz="1200" dirty="0" err="1">
-                <a:latin typeface="Courier"/>
-              </a:rPr>
-              <a:t>cpacsSeminar</a:t>
-            </a:r>
-            <a:endParaRPr lang="de-DE" sz="1200" dirty="0">
-              <a:latin typeface="Courier"/>
-            </a:endParaRPr>
-          </a:p>
-          <a:p>
-            <a:r>
-              <a:rPr lang="de-DE" sz="1200" dirty="0" err="1">
-                <a:latin typeface="Courier"/>
-              </a:rPr>
-              <a:t>python</a:t>
-            </a:r>
-            <a:r>
-              <a:rPr lang="de-DE" sz="1200" dirty="0">
-                <a:latin typeface="Courier"/>
-              </a:rPr>
-              <a:t> "${</a:t>
-            </a:r>
-            <a:r>
-              <a:rPr lang="de-DE" sz="1200" dirty="0" err="1">
-                <a:latin typeface="Courier"/>
-              </a:rPr>
-              <a:t>dir:tool</a:t>
-            </a:r>
-            <a:r>
-              <a:rPr lang="de-DE" sz="1200" dirty="0">
-                <a:latin typeface="Courier"/>
-              </a:rPr>
-              <a:t>}"\run.py</a:t>
-            </a:r>
-          </a:p>
-        </p:txBody>
-      </p:sp>
       <p:pic>
         <p:nvPicPr>
           <p:cNvPr id="2" name="Grafik 1">
@@ -6852,7 +6788,13 @@
           <p:nvPr/>
         </p:nvPicPr>
         <p:blipFill>
-          <a:blip r:embed="rId2"/>
+          <a:blip r:embed="rId2">
+            <a:extLst>
+              <a:ext uri="{28A0092B-C50C-407E-A947-70E740481C1C}">
+                <a14:useLocalDpi xmlns:a14="http://schemas.microsoft.com/office/drawing/2010/main" val="0"/>
+              </a:ext>
+            </a:extLst>
+          </a:blip>
           <a:stretch>
             <a:fillRect/>
           </a:stretch>
@@ -6860,7 +6802,7 @@
         <p:spPr>
           <a:xfrm>
             <a:off x="5488419" y="0"/>
-            <a:ext cx="6703581" cy="6858000"/>
+            <a:ext cx="6703581" cy="6857999"/>
           </a:xfrm>
           <a:prstGeom prst="rect">
             <a:avLst/>
@@ -7127,7 +7069,7 @@
               <a:gd name="adj2" fmla="val -8333"/>
               <a:gd name="adj3" fmla="val 18750"/>
               <a:gd name="adj4" fmla="val -16667"/>
-              <a:gd name="adj5" fmla="val -69591"/>
+              <a:gd name="adj5" fmla="val -23604"/>
               <a:gd name="adj6" fmla="val -35292"/>
             </a:avLst>
           </a:prstGeom>
@@ -7180,7 +7122,7 @@
                   </a:schemeClr>
                 </a:solidFill>
               </a:rPr>
-              <a:t>(2) Select “Working directory”</a:t>
+              <a:t>(2) Select “Tool directory”</a:t>
             </a:r>
             <a:endParaRPr lang="de-DE" dirty="0">
               <a:solidFill>
@@ -7190,6 +7132,83 @@
                 </a:schemeClr>
               </a:solidFill>
             </a:endParaRPr>
+          </a:p>
+        </p:txBody>
+      </p:sp>
+      <p:sp>
+        <p:nvSpPr>
+          <p:cNvPr id="5" name="Rechteck 4">
+            <a:extLst>
+              <a:ext uri="{FF2B5EF4-FFF2-40B4-BE49-F238E27FC236}">
+                <a16:creationId xmlns:a16="http://schemas.microsoft.com/office/drawing/2014/main" id="{B4ACF704-C2EF-43B2-8B68-3529E747FB45}"/>
+              </a:ext>
+            </a:extLst>
+          </p:cNvPr>
+          <p:cNvSpPr/>
+          <p:nvPr/>
+        </p:nvSpPr>
+        <p:spPr>
+          <a:xfrm>
+            <a:off x="427007" y="390879"/>
+            <a:ext cx="6703581" cy="461665"/>
+          </a:xfrm>
+          <a:prstGeom prst="rect">
+            <a:avLst/>
+          </a:prstGeom>
+          <a:solidFill>
+            <a:schemeClr val="bg1"/>
+          </a:solidFill>
+          <a:ln>
+            <a:solidFill>
+              <a:schemeClr val="tx1">
+                <a:lumMod val="50000"/>
+                <a:lumOff val="50000"/>
+              </a:schemeClr>
+            </a:solidFill>
+          </a:ln>
+          <a:effectLst>
+            <a:outerShdw blurRad="63500" sx="102000" sy="102000" algn="ctr" rotWithShape="0">
+              <a:prstClr val="black">
+                <a:alpha val="40000"/>
+              </a:prstClr>
+            </a:outerShdw>
+          </a:effectLst>
+        </p:spPr>
+        <p:txBody>
+          <a:bodyPr wrap="square">
+            <a:spAutoFit/>
+          </a:bodyPr>
+          <a:lstStyle/>
+          <a:p>
+            <a:r>
+              <a:rPr lang="de-DE" sz="1200" dirty="0">
+                <a:latin typeface="Courier"/>
+              </a:rPr>
+              <a:t>C:\ProgramData\mambaforge_22.9.0.2\Scripts\activate.bat </a:t>
+            </a:r>
+            <a:r>
+              <a:rPr lang="de-DE" sz="1200" dirty="0" err="1">
+                <a:latin typeface="Courier"/>
+              </a:rPr>
+              <a:t>cpacsSeminar</a:t>
+            </a:r>
+            <a:endParaRPr lang="de-DE" sz="1200" dirty="0">
+              <a:latin typeface="Courier"/>
+            </a:endParaRPr>
+          </a:p>
+          <a:p>
+            <a:r>
+              <a:rPr lang="de-DE" sz="1200" dirty="0" err="1">
+                <a:latin typeface="Courier"/>
+              </a:rPr>
+              <a:t>python</a:t>
+            </a:r>
+            <a:r>
+              <a:rPr lang="de-DE" sz="1200" dirty="0">
+                <a:latin typeface="Courier"/>
+              </a:rPr>
+              <a:t> run.py</a:t>
+            </a:r>
           </a:p>
         </p:txBody>
       </p:sp>
@@ -7223,388 +7242,6 @@
           <a:chExt cx="0" cy="0"/>
         </a:xfrm>
       </p:grpSpPr>
-      <p:sp>
-        <p:nvSpPr>
-          <p:cNvPr id="5" name="Rechteck 4">
-            <a:extLst>
-              <a:ext uri="{FF2B5EF4-FFF2-40B4-BE49-F238E27FC236}">
-                <a16:creationId xmlns:a16="http://schemas.microsoft.com/office/drawing/2014/main" id="{216A6DAA-F260-403C-B677-3F0A260680B2}"/>
-              </a:ext>
-            </a:extLst>
-          </p:cNvPr>
-          <p:cNvSpPr/>
-          <p:nvPr/>
-        </p:nvSpPr>
-        <p:spPr>
-          <a:xfrm>
-            <a:off x="152400" y="498545"/>
-            <a:ext cx="5003800" cy="3162404"/>
-          </a:xfrm>
-          <a:prstGeom prst="rect">
-            <a:avLst/>
-          </a:prstGeom>
-          <a:solidFill>
-            <a:schemeClr val="bg1"/>
-          </a:solidFill>
-          <a:ln>
-            <a:solidFill>
-              <a:schemeClr val="tx1">
-                <a:lumMod val="50000"/>
-                <a:lumOff val="50000"/>
-              </a:schemeClr>
-            </a:solidFill>
-          </a:ln>
-          <a:effectLst>
-            <a:outerShdw blurRad="63500" sx="102000" sy="102000" algn="ctr" rotWithShape="0">
-              <a:prstClr val="black">
-                <a:alpha val="40000"/>
-              </a:prstClr>
-            </a:outerShdw>
-          </a:effectLst>
-        </p:spPr>
-        <p:txBody>
-          <a:bodyPr wrap="square">
-            <a:spAutoFit/>
-          </a:bodyPr>
-          <a:lstStyle/>
-          <a:p>
-            <a:r>
-              <a:rPr lang="en-US" sz="1050" dirty="0">
-                <a:latin typeface="Courier"/>
-              </a:rPr>
-              <a:t># Create folder structure, if not already existing</a:t>
-            </a:r>
-          </a:p>
-          <a:p>
-            <a:endParaRPr lang="en-US" sz="1050" dirty="0">
-              <a:latin typeface="Courier"/>
-            </a:endParaRPr>
-          </a:p>
-          <a:p>
-            <a:r>
-              <a:rPr lang="en-US" sz="1050" dirty="0" err="1">
-                <a:latin typeface="Courier"/>
-              </a:rPr>
-              <a:t>inputDirName</a:t>
-            </a:r>
-            <a:r>
-              <a:rPr lang="en-US" sz="1050" dirty="0">
-                <a:latin typeface="Courier"/>
-              </a:rPr>
-              <a:t> = "</a:t>
-            </a:r>
-            <a:r>
-              <a:rPr lang="en-US" sz="1050" dirty="0" err="1">
-                <a:latin typeface="Courier"/>
-              </a:rPr>
-              <a:t>ToolInput</a:t>
-            </a:r>
-            <a:r>
-              <a:rPr lang="en-US" sz="1050" dirty="0">
-                <a:latin typeface="Courier"/>
-              </a:rPr>
-              <a:t>"</a:t>
-            </a:r>
-          </a:p>
-          <a:p>
-            <a:r>
-              <a:rPr lang="en-US" sz="1050" dirty="0" err="1">
-                <a:latin typeface="Courier"/>
-              </a:rPr>
-              <a:t>outputDirName</a:t>
-            </a:r>
-            <a:r>
-              <a:rPr lang="en-US" sz="1050" dirty="0">
-                <a:latin typeface="Courier"/>
-              </a:rPr>
-              <a:t> = "</a:t>
-            </a:r>
-            <a:r>
-              <a:rPr lang="en-US" sz="1050" dirty="0" err="1">
-                <a:latin typeface="Courier"/>
-              </a:rPr>
-              <a:t>ToolOutput</a:t>
-            </a:r>
-            <a:r>
-              <a:rPr lang="en-US" sz="1050" dirty="0">
-                <a:latin typeface="Courier"/>
-              </a:rPr>
-              <a:t>"</a:t>
-            </a:r>
-          </a:p>
-          <a:p>
-            <a:endParaRPr lang="en-US" sz="1050" dirty="0">
-              <a:latin typeface="Courier"/>
-            </a:endParaRPr>
-          </a:p>
-          <a:p>
-            <a:r>
-              <a:rPr lang="en-US" sz="1050" dirty="0">
-                <a:latin typeface="Courier"/>
-              </a:rPr>
-              <a:t>for </a:t>
-            </a:r>
-            <a:r>
-              <a:rPr lang="en-US" sz="1050" dirty="0" err="1">
-                <a:latin typeface="Courier"/>
-              </a:rPr>
-              <a:t>dirName</a:t>
-            </a:r>
-            <a:r>
-              <a:rPr lang="en-US" sz="1050" dirty="0">
-                <a:latin typeface="Courier"/>
-              </a:rPr>
-              <a:t> in [</a:t>
-            </a:r>
-            <a:r>
-              <a:rPr lang="en-US" sz="1050" dirty="0" err="1">
-                <a:latin typeface="Courier"/>
-              </a:rPr>
-              <a:t>inputDirName,outputDirName</a:t>
-            </a:r>
-            <a:r>
-              <a:rPr lang="en-US" sz="1050" dirty="0">
-                <a:latin typeface="Courier"/>
-              </a:rPr>
-              <a:t>]:</a:t>
-            </a:r>
-          </a:p>
-          <a:p>
-            <a:r>
-              <a:rPr lang="en-US" sz="1050" dirty="0">
-                <a:latin typeface="Courier"/>
-              </a:rPr>
-              <a:t>    try:</a:t>
-            </a:r>
-          </a:p>
-          <a:p>
-            <a:r>
-              <a:rPr lang="en-US" sz="1050" dirty="0">
-                <a:latin typeface="Courier"/>
-              </a:rPr>
-              <a:t>        </a:t>
-            </a:r>
-            <a:r>
-              <a:rPr lang="en-US" sz="1050" dirty="0" err="1">
-                <a:latin typeface="Courier"/>
-              </a:rPr>
-              <a:t>os.mkdir</a:t>
-            </a:r>
-            <a:r>
-              <a:rPr lang="en-US" sz="1050" dirty="0">
-                <a:latin typeface="Courier"/>
-              </a:rPr>
-              <a:t>(</a:t>
-            </a:r>
-            <a:r>
-              <a:rPr lang="en-US" sz="1050" dirty="0" err="1">
-                <a:latin typeface="Courier"/>
-              </a:rPr>
-              <a:t>os.path.join</a:t>
-            </a:r>
-            <a:r>
-              <a:rPr lang="en-US" sz="1050" dirty="0">
-                <a:latin typeface="Courier"/>
-              </a:rPr>
-              <a:t>("${</a:t>
-            </a:r>
-            <a:r>
-              <a:rPr lang="en-US" sz="1050" dirty="0" err="1">
-                <a:latin typeface="Courier"/>
-              </a:rPr>
-              <a:t>dir:working</a:t>
-            </a:r>
-            <a:r>
-              <a:rPr lang="en-US" sz="1050" dirty="0">
-                <a:latin typeface="Courier"/>
-              </a:rPr>
-              <a:t>}", </a:t>
-            </a:r>
-            <a:r>
-              <a:rPr lang="en-US" sz="1050" dirty="0" err="1">
-                <a:latin typeface="Courier"/>
-              </a:rPr>
-              <a:t>dirName</a:t>
-            </a:r>
-            <a:r>
-              <a:rPr lang="en-US" sz="1050" dirty="0">
-                <a:latin typeface="Courier"/>
-              </a:rPr>
-              <a:t>))</a:t>
-            </a:r>
-          </a:p>
-          <a:p>
-            <a:r>
-              <a:rPr lang="en-US" sz="1050" dirty="0">
-                <a:latin typeface="Courier"/>
-              </a:rPr>
-              <a:t>    except:</a:t>
-            </a:r>
-          </a:p>
-          <a:p>
-            <a:r>
-              <a:rPr lang="en-US" sz="1050" dirty="0">
-                <a:latin typeface="Courier"/>
-              </a:rPr>
-              <a:t>        print("An exception occurred")</a:t>
-            </a:r>
-          </a:p>
-          <a:p>
-            <a:endParaRPr lang="en-US" sz="1050" dirty="0">
-              <a:latin typeface="Courier"/>
-            </a:endParaRPr>
-          </a:p>
-          <a:p>
-            <a:endParaRPr lang="en-US" sz="1050" dirty="0">
-              <a:latin typeface="Courier"/>
-            </a:endParaRPr>
-          </a:p>
-          <a:p>
-            <a:r>
-              <a:rPr lang="en-US" sz="1050" dirty="0">
-                <a:latin typeface="Courier"/>
-              </a:rPr>
-              <a:t># Copy CPACS input from RCE to tool input directory:</a:t>
-            </a:r>
-          </a:p>
-          <a:p>
-            <a:endParaRPr lang="en-US" sz="1050" dirty="0">
-              <a:latin typeface="Courier"/>
-            </a:endParaRPr>
-          </a:p>
-          <a:p>
-            <a:r>
-              <a:rPr lang="en-US" sz="1050" dirty="0" err="1">
-                <a:latin typeface="Courier"/>
-              </a:rPr>
-              <a:t>fileName</a:t>
-            </a:r>
-            <a:r>
-              <a:rPr lang="en-US" sz="1050" dirty="0">
-                <a:latin typeface="Courier"/>
-              </a:rPr>
-              <a:t> = "CPACS_in.xml"</a:t>
-            </a:r>
-          </a:p>
-          <a:p>
-            <a:endParaRPr lang="en-US" sz="1050" dirty="0">
-              <a:latin typeface="Courier"/>
-            </a:endParaRPr>
-          </a:p>
-          <a:p>
-            <a:r>
-              <a:rPr lang="en-US" sz="1050" dirty="0" err="1">
-                <a:latin typeface="Courier"/>
-              </a:rPr>
-              <a:t>inputDir</a:t>
-            </a:r>
-            <a:r>
-              <a:rPr lang="en-US" sz="1050" dirty="0">
-                <a:latin typeface="Courier"/>
-              </a:rPr>
-              <a:t> = </a:t>
-            </a:r>
-            <a:r>
-              <a:rPr lang="en-US" sz="1050" dirty="0" err="1">
-                <a:latin typeface="Courier"/>
-              </a:rPr>
-              <a:t>os.path.join</a:t>
-            </a:r>
-            <a:r>
-              <a:rPr lang="en-US" sz="1050" dirty="0">
-                <a:latin typeface="Courier"/>
-              </a:rPr>
-              <a:t>("${</a:t>
-            </a:r>
-            <a:r>
-              <a:rPr lang="en-US" sz="1050" dirty="0" err="1">
-                <a:latin typeface="Courier"/>
-              </a:rPr>
-              <a:t>dir:working</a:t>
-            </a:r>
-            <a:r>
-              <a:rPr lang="en-US" sz="1050" dirty="0">
-                <a:latin typeface="Courier"/>
-              </a:rPr>
-              <a:t>}", </a:t>
-            </a:r>
-            <a:r>
-              <a:rPr lang="en-US" sz="1050" dirty="0" err="1">
-                <a:latin typeface="Courier"/>
-              </a:rPr>
-              <a:t>inputDirName</a:t>
-            </a:r>
-            <a:r>
-              <a:rPr lang="en-US" sz="1050" dirty="0">
-                <a:latin typeface="Courier"/>
-              </a:rPr>
-              <a:t>)</a:t>
-            </a:r>
-          </a:p>
-          <a:p>
-            <a:r>
-              <a:rPr lang="en-US" sz="1050" dirty="0" err="1">
-                <a:latin typeface="Courier"/>
-              </a:rPr>
-              <a:t>shutil.copyfile</a:t>
-            </a:r>
-            <a:r>
-              <a:rPr lang="en-US" sz="1050" dirty="0">
-                <a:latin typeface="Courier"/>
-              </a:rPr>
-              <a:t>("${</a:t>
-            </a:r>
-            <a:r>
-              <a:rPr lang="en-US" sz="1050" dirty="0" err="1">
-                <a:latin typeface="Courier"/>
-              </a:rPr>
-              <a:t>in:CPACS</a:t>
-            </a:r>
-            <a:r>
-              <a:rPr lang="en-US" sz="1050" dirty="0">
-                <a:latin typeface="Courier"/>
-              </a:rPr>
-              <a:t> input}", </a:t>
-            </a:r>
-            <a:r>
-              <a:rPr lang="en-US" sz="1050" dirty="0" err="1">
-                <a:latin typeface="Courier"/>
-              </a:rPr>
-              <a:t>os.path.join</a:t>
-            </a:r>
-            <a:r>
-              <a:rPr lang="en-US" sz="1050" dirty="0">
-                <a:latin typeface="Courier"/>
-              </a:rPr>
-              <a:t>(</a:t>
-            </a:r>
-            <a:r>
-              <a:rPr lang="en-US" sz="1050" dirty="0" err="1">
-                <a:latin typeface="Courier"/>
-              </a:rPr>
-              <a:t>inputDir</a:t>
-            </a:r>
-            <a:r>
-              <a:rPr lang="en-US" sz="1050" dirty="0">
-                <a:latin typeface="Courier"/>
-              </a:rPr>
-              <a:t>, </a:t>
-            </a:r>
-            <a:r>
-              <a:rPr lang="en-US" sz="1050" dirty="0" err="1">
-                <a:latin typeface="Courier"/>
-              </a:rPr>
-              <a:t>fileName</a:t>
-            </a:r>
-            <a:r>
-              <a:rPr lang="en-US" sz="1050" dirty="0">
-                <a:latin typeface="Courier"/>
-              </a:rPr>
-              <a:t>))</a:t>
-            </a:r>
-          </a:p>
-        </p:txBody>
-      </p:sp>
       <p:pic>
         <p:nvPicPr>
           <p:cNvPr id="2" name="Grafik 1">
@@ -7620,7 +7257,13 @@
           <p:nvPr/>
         </p:nvPicPr>
         <p:blipFill>
-          <a:blip r:embed="rId2"/>
+          <a:blip r:embed="rId2">
+            <a:extLst>
+              <a:ext uri="{28A0092B-C50C-407E-A947-70E740481C1C}">
+                <a14:useLocalDpi xmlns:a14="http://schemas.microsoft.com/office/drawing/2010/main" val="0"/>
+              </a:ext>
+            </a:extLst>
+          </a:blip>
           <a:stretch>
             <a:fillRect/>
           </a:stretch>
@@ -7628,7 +7271,7 @@
         <p:spPr>
           <a:xfrm>
             <a:off x="5488419" y="0"/>
-            <a:ext cx="6703581" cy="6858000"/>
+            <a:ext cx="6703581" cy="6857999"/>
           </a:xfrm>
           <a:prstGeom prst="rect">
             <a:avLst/>
@@ -7869,6 +7512,114 @@
                 </a:schemeClr>
               </a:solidFill>
             </a:endParaRPr>
+          </a:p>
+        </p:txBody>
+      </p:sp>
+      <p:sp>
+        <p:nvSpPr>
+          <p:cNvPr id="5" name="Rechteck 4">
+            <a:extLst>
+              <a:ext uri="{FF2B5EF4-FFF2-40B4-BE49-F238E27FC236}">
+                <a16:creationId xmlns:a16="http://schemas.microsoft.com/office/drawing/2014/main" id="{216A6DAA-F260-403C-B677-3F0A260680B2}"/>
+              </a:ext>
+            </a:extLst>
+          </p:cNvPr>
+          <p:cNvSpPr/>
+          <p:nvPr/>
+        </p:nvSpPr>
+        <p:spPr>
+          <a:xfrm>
+            <a:off x="290069" y="2422236"/>
+            <a:ext cx="7300823" cy="253916"/>
+          </a:xfrm>
+          <a:prstGeom prst="rect">
+            <a:avLst/>
+          </a:prstGeom>
+          <a:solidFill>
+            <a:schemeClr val="bg1"/>
+          </a:solidFill>
+          <a:ln>
+            <a:solidFill>
+              <a:schemeClr val="tx1">
+                <a:lumMod val="50000"/>
+                <a:lumOff val="50000"/>
+              </a:schemeClr>
+            </a:solidFill>
+          </a:ln>
+          <a:effectLst>
+            <a:outerShdw blurRad="63500" sx="102000" sy="102000" algn="ctr" rotWithShape="0">
+              <a:prstClr val="black">
+                <a:alpha val="40000"/>
+              </a:prstClr>
+            </a:outerShdw>
+          </a:effectLst>
+        </p:spPr>
+        <p:txBody>
+          <a:bodyPr wrap="square">
+            <a:spAutoFit/>
+          </a:bodyPr>
+          <a:lstStyle/>
+          <a:p>
+            <a:r>
+              <a:rPr lang="en-US" sz="1050" dirty="0" err="1">
+                <a:latin typeface="Courier"/>
+              </a:rPr>
+              <a:t>shutil.copyfile</a:t>
+            </a:r>
+            <a:r>
+              <a:rPr lang="en-US" sz="1050" dirty="0">
+                <a:latin typeface="Courier"/>
+              </a:rPr>
+              <a:t>("${</a:t>
+            </a:r>
+            <a:r>
+              <a:rPr lang="en-US" sz="1050" dirty="0" err="1">
+                <a:latin typeface="Courier"/>
+              </a:rPr>
+              <a:t>in:CPACS_in</a:t>
+            </a:r>
+            <a:r>
+              <a:rPr lang="en-US" sz="1050" dirty="0">
+                <a:latin typeface="Courier"/>
+              </a:rPr>
+              <a:t>}",</a:t>
+            </a:r>
+            <a:r>
+              <a:rPr lang="en-US" sz="1050" dirty="0" err="1">
+                <a:latin typeface="Courier"/>
+              </a:rPr>
+              <a:t>os.path.join</a:t>
+            </a:r>
+            <a:r>
+              <a:rPr lang="en-US" sz="1050" dirty="0">
+                <a:latin typeface="Courier"/>
+              </a:rPr>
+              <a:t>("${</a:t>
+            </a:r>
+            <a:r>
+              <a:rPr lang="en-US" sz="1050" dirty="0" err="1">
+                <a:latin typeface="Courier"/>
+              </a:rPr>
+              <a:t>dir:tool</a:t>
+            </a:r>
+            <a:r>
+              <a:rPr lang="en-US" sz="1050" dirty="0">
+                <a:latin typeface="Courier"/>
+              </a:rPr>
+              <a:t>}", "</a:t>
+            </a:r>
+            <a:r>
+              <a:rPr lang="en-US" sz="1050" dirty="0" err="1">
+                <a:latin typeface="Courier"/>
+              </a:rPr>
+              <a:t>ToolInput</a:t>
+            </a:r>
+            <a:r>
+              <a:rPr lang="en-US" sz="1050" dirty="0">
+                <a:latin typeface="Courier"/>
+              </a:rPr>
+              <a:t>/CPACS_in.xml"))</a:t>
+            </a:r>
           </a:p>
         </p:txBody>
       </p:sp>
